--- a/slides/02-text-classification.pptx
+++ b/slides/02-text-classification.pptx
@@ -32,16 +32,24 @@
     <p:sldId id="277" r:id="rId27"/>
     <p:sldId id="278" r:id="rId28"/>
     <p:sldId id="279" r:id="rId29"/>
+    <p:sldId id="280" r:id="rId30"/>
+    <p:sldId id="281" r:id="rId31"/>
+    <p:sldId id="282" r:id="rId32"/>
+    <p:sldId id="283" r:id="rId33"/>
+    <p:sldId id="284" r:id="rId34"/>
+    <p:sldId id="285" r:id="rId35"/>
+    <p:sldId id="286" r:id="rId36"/>
+    <p:sldId id="287" r:id="rId37"/>
   </p:sldIdLst>
   <p:sldSz cy="5143500" cx="9144000"/>
   <p:notesSz cx="6858000" cy="9144000"/>
   <p:embeddedFontLst>
     <p:embeddedFont>
       <p:font typeface="Lato"/>
-      <p:regular r:id="rId30"/>
-      <p:bold r:id="rId31"/>
-      <p:italic r:id="rId32"/>
-      <p:boldItalic r:id="rId33"/>
+      <p:regular r:id="rId38"/>
+      <p:bold r:id="rId39"/>
+      <p:italic r:id="rId40"/>
+      <p:boldItalic r:id="rId41"/>
     </p:embeddedFont>
   </p:embeddedFontLst>
   <p:defaultTextStyle>
@@ -1034,7 +1042,7 @@
       </p:grpSpPr>
       <p:sp>
         <p:nvSpPr>
-          <p:cNvPr id="140" name="Google Shape;140;ge4bac04123_0_48:notes"/>
+          <p:cNvPr id="140" name="Google Shape;140;g111fdffb894_1_0:notes"/>
           <p:cNvSpPr/>
           <p:nvPr>
             <p:ph idx="2" type="sldImg"/>
@@ -1069,7 +1077,7 @@
       </p:sp>
       <p:sp>
         <p:nvSpPr>
-          <p:cNvPr id="141" name="Google Shape;141;ge4bac04123_0_48:notes"/>
+          <p:cNvPr id="141" name="Google Shape;141;g111fdffb894_1_0:notes"/>
           <p:cNvSpPr txBox="1"/>
           <p:nvPr>
             <p:ph idx="1" type="body"/>
@@ -1119,7 +1127,7 @@
   <p:cSld>
     <p:spTree>
       <p:nvGrpSpPr>
-        <p:cNvPr id="146" name="Shape 146"/>
+        <p:cNvPr id="145" name="Shape 145"/>
         <p:cNvGrpSpPr/>
         <p:nvPr/>
       </p:nvGrpSpPr>
@@ -1133,7 +1141,7 @@
       </p:grpSpPr>
       <p:sp>
         <p:nvSpPr>
-          <p:cNvPr id="147" name="Google Shape;147;ge4bac04123_0_56:notes"/>
+          <p:cNvPr id="146" name="Google Shape;146;g111fdffb894_1_74:notes"/>
           <p:cNvSpPr/>
           <p:nvPr>
             <p:ph idx="2" type="sldImg"/>
@@ -1168,7 +1176,7 @@
       </p:sp>
       <p:sp>
         <p:nvSpPr>
-          <p:cNvPr id="148" name="Google Shape;148;ge4bac04123_0_56:notes"/>
+          <p:cNvPr id="147" name="Google Shape;147;g111fdffb894_1_74:notes"/>
           <p:cNvSpPr txBox="1"/>
           <p:nvPr>
             <p:ph idx="1" type="body"/>
@@ -1218,7 +1226,7 @@
   <p:cSld>
     <p:spTree>
       <p:nvGrpSpPr>
-        <p:cNvPr id="153" name="Shape 153"/>
+        <p:cNvPr id="152" name="Shape 152"/>
         <p:cNvGrpSpPr/>
         <p:nvPr/>
       </p:nvGrpSpPr>
@@ -1232,7 +1240,7 @@
       </p:grpSpPr>
       <p:sp>
         <p:nvSpPr>
-          <p:cNvPr id="154" name="Google Shape;154;ge4bac04123_0_64:notes"/>
+          <p:cNvPr id="153" name="Google Shape;153;g111fdffb894_1_149:notes"/>
           <p:cNvSpPr/>
           <p:nvPr>
             <p:ph idx="2" type="sldImg"/>
@@ -1267,7 +1275,7 @@
       </p:sp>
       <p:sp>
         <p:nvSpPr>
-          <p:cNvPr id="155" name="Google Shape;155;ge4bac04123_0_64:notes"/>
+          <p:cNvPr id="154" name="Google Shape;154;g111fdffb894_1_149:notes"/>
           <p:cNvSpPr txBox="1"/>
           <p:nvPr>
             <p:ph idx="1" type="body"/>
@@ -1317,7 +1325,7 @@
   <p:cSld>
     <p:spTree>
       <p:nvGrpSpPr>
-        <p:cNvPr id="160" name="Shape 160"/>
+        <p:cNvPr id="159" name="Shape 159"/>
         <p:cNvGrpSpPr/>
         <p:nvPr/>
       </p:nvGrpSpPr>
@@ -1331,7 +1339,7 @@
       </p:grpSpPr>
       <p:sp>
         <p:nvSpPr>
-          <p:cNvPr id="161" name="Google Shape;161;ge4bac04123_0_71:notes"/>
+          <p:cNvPr id="160" name="Google Shape;160;g111fdffb894_1_157:notes"/>
           <p:cNvSpPr/>
           <p:nvPr>
             <p:ph idx="2" type="sldImg"/>
@@ -1366,7 +1374,7 @@
       </p:sp>
       <p:sp>
         <p:nvSpPr>
-          <p:cNvPr id="162" name="Google Shape;162;ge4bac04123_0_71:notes"/>
+          <p:cNvPr id="161" name="Google Shape;161;g111fdffb894_1_157:notes"/>
           <p:cNvSpPr txBox="1"/>
           <p:nvPr>
             <p:ph idx="1" type="body"/>
@@ -1430,7 +1438,7 @@
       </p:grpSpPr>
       <p:sp>
         <p:nvSpPr>
-          <p:cNvPr id="168" name="Google Shape;168;ge4bac04123_0_78:notes"/>
+          <p:cNvPr id="168" name="Google Shape;168;g111fdffb894_1_167:notes"/>
           <p:cNvSpPr/>
           <p:nvPr>
             <p:ph idx="2" type="sldImg"/>
@@ -1465,7 +1473,7 @@
       </p:sp>
       <p:sp>
         <p:nvSpPr>
-          <p:cNvPr id="169" name="Google Shape;169;ge4bac04123_0_78:notes"/>
+          <p:cNvPr id="169" name="Google Shape;169;g111fdffb894_1_167:notes"/>
           <p:cNvSpPr txBox="1"/>
           <p:nvPr>
             <p:ph idx="1" type="body"/>
@@ -1515,7 +1523,7 @@
   <p:cSld>
     <p:spTree>
       <p:nvGrpSpPr>
-        <p:cNvPr id="174" name="Shape 174"/>
+        <p:cNvPr id="175" name="Shape 175"/>
         <p:cNvGrpSpPr/>
         <p:nvPr/>
       </p:nvGrpSpPr>
@@ -1529,7 +1537,7 @@
       </p:grpSpPr>
       <p:sp>
         <p:nvSpPr>
-          <p:cNvPr id="175" name="Google Shape;175;ge4bac04123_0_87:notes"/>
+          <p:cNvPr id="176" name="Google Shape;176;ge4bac04123_0_48:notes"/>
           <p:cNvSpPr/>
           <p:nvPr>
             <p:ph idx="2" type="sldImg"/>
@@ -1564,7 +1572,7 @@
       </p:sp>
       <p:sp>
         <p:nvSpPr>
-          <p:cNvPr id="176" name="Google Shape;176;ge4bac04123_0_87:notes"/>
+          <p:cNvPr id="177" name="Google Shape;177;ge4bac04123_0_48:notes"/>
           <p:cNvSpPr txBox="1"/>
           <p:nvPr>
             <p:ph idx="1" type="body"/>
@@ -1614,7 +1622,7 @@
   <p:cSld>
     <p:spTree>
       <p:nvGrpSpPr>
-        <p:cNvPr id="180" name="Shape 180"/>
+        <p:cNvPr id="183" name="Shape 183"/>
         <p:cNvGrpSpPr/>
         <p:nvPr/>
       </p:nvGrpSpPr>
@@ -1628,7 +1636,7 @@
       </p:grpSpPr>
       <p:sp>
         <p:nvSpPr>
-          <p:cNvPr id="181" name="Google Shape;181;ge4bac04123_0_94:notes"/>
+          <p:cNvPr id="184" name="Google Shape;184;ge4bac04123_0_56:notes"/>
           <p:cNvSpPr/>
           <p:nvPr>
             <p:ph idx="2" type="sldImg"/>
@@ -1663,7 +1671,7 @@
       </p:sp>
       <p:sp>
         <p:nvSpPr>
-          <p:cNvPr id="182" name="Google Shape;182;ge4bac04123_0_94:notes"/>
+          <p:cNvPr id="185" name="Google Shape;185;ge4bac04123_0_56:notes"/>
           <p:cNvSpPr txBox="1"/>
           <p:nvPr>
             <p:ph idx="1" type="body"/>
@@ -1713,7 +1721,7 @@
   <p:cSld>
     <p:spTree>
       <p:nvGrpSpPr>
-        <p:cNvPr id="188" name="Shape 188"/>
+        <p:cNvPr id="190" name="Shape 190"/>
         <p:cNvGrpSpPr/>
         <p:nvPr/>
       </p:nvGrpSpPr>
@@ -1727,7 +1735,7 @@
       </p:grpSpPr>
       <p:sp>
         <p:nvSpPr>
-          <p:cNvPr id="189" name="Google Shape;189;ge4bac04123_0_102:notes"/>
+          <p:cNvPr id="191" name="Google Shape;191;ge4bac04123_0_64:notes"/>
           <p:cNvSpPr/>
           <p:nvPr>
             <p:ph idx="2" type="sldImg"/>
@@ -1762,7 +1770,7 @@
       </p:sp>
       <p:sp>
         <p:nvSpPr>
-          <p:cNvPr id="190" name="Google Shape;190;ge4bac04123_0_102:notes"/>
+          <p:cNvPr id="192" name="Google Shape;192;ge4bac04123_0_64:notes"/>
           <p:cNvSpPr txBox="1"/>
           <p:nvPr>
             <p:ph idx="1" type="body"/>
@@ -1911,7 +1919,7 @@
   <p:cSld>
     <p:spTree>
       <p:nvGrpSpPr>
-        <p:cNvPr id="195" name="Shape 195"/>
+        <p:cNvPr id="197" name="Shape 197"/>
         <p:cNvGrpSpPr/>
         <p:nvPr/>
       </p:nvGrpSpPr>
@@ -1925,7 +1933,7 @@
       </p:grpSpPr>
       <p:sp>
         <p:nvSpPr>
-          <p:cNvPr id="196" name="Google Shape;196;ge4bac04123_0_111:notes"/>
+          <p:cNvPr id="198" name="Google Shape;198;ge4bac04123_0_71:notes"/>
           <p:cNvSpPr/>
           <p:nvPr>
             <p:ph idx="2" type="sldImg"/>
@@ -1960,7 +1968,7 @@
       </p:sp>
       <p:sp>
         <p:nvSpPr>
-          <p:cNvPr id="197" name="Google Shape;197;ge4bac04123_0_111:notes"/>
+          <p:cNvPr id="199" name="Google Shape;199;ge4bac04123_0_71:notes"/>
           <p:cNvSpPr txBox="1"/>
           <p:nvPr>
             <p:ph idx="1" type="body"/>
@@ -2010,7 +2018,7 @@
   <p:cSld>
     <p:spTree>
       <p:nvGrpSpPr>
-        <p:cNvPr id="202" name="Shape 202"/>
+        <p:cNvPr id="204" name="Shape 204"/>
         <p:cNvGrpSpPr/>
         <p:nvPr/>
       </p:nvGrpSpPr>
@@ -2024,7 +2032,7 @@
       </p:grpSpPr>
       <p:sp>
         <p:nvSpPr>
-          <p:cNvPr id="203" name="Google Shape;203;ge4bac04123_0_119:notes"/>
+          <p:cNvPr id="205" name="Google Shape;205;ge4bac04123_0_78:notes"/>
           <p:cNvSpPr/>
           <p:nvPr>
             <p:ph idx="2" type="sldImg"/>
@@ -2059,7 +2067,7 @@
       </p:sp>
       <p:sp>
         <p:nvSpPr>
-          <p:cNvPr id="204" name="Google Shape;204;ge4bac04123_0_119:notes"/>
+          <p:cNvPr id="206" name="Google Shape;206;ge4bac04123_0_78:notes"/>
           <p:cNvSpPr txBox="1"/>
           <p:nvPr>
             <p:ph idx="1" type="body"/>
@@ -2109,7 +2117,7 @@
   <p:cSld>
     <p:spTree>
       <p:nvGrpSpPr>
-        <p:cNvPr id="209" name="Shape 209"/>
+        <p:cNvPr id="211" name="Shape 211"/>
         <p:cNvGrpSpPr/>
         <p:nvPr/>
       </p:nvGrpSpPr>
@@ -2123,7 +2131,7 @@
       </p:grpSpPr>
       <p:sp>
         <p:nvSpPr>
-          <p:cNvPr id="210" name="Google Shape;210;ge4bac04123_0_127:notes"/>
+          <p:cNvPr id="212" name="Google Shape;212;ge4bac04123_0_87:notes"/>
           <p:cNvSpPr/>
           <p:nvPr>
             <p:ph idx="2" type="sldImg"/>
@@ -2158,7 +2166,7 @@
       </p:sp>
       <p:sp>
         <p:nvSpPr>
-          <p:cNvPr id="211" name="Google Shape;211;ge4bac04123_0_127:notes"/>
+          <p:cNvPr id="213" name="Google Shape;213;ge4bac04123_0_87:notes"/>
           <p:cNvSpPr txBox="1"/>
           <p:nvPr>
             <p:ph idx="1" type="body"/>
@@ -2208,7 +2216,7 @@
   <p:cSld>
     <p:spTree>
       <p:nvGrpSpPr>
-        <p:cNvPr id="216" name="Shape 216"/>
+        <p:cNvPr id="217" name="Shape 217"/>
         <p:cNvGrpSpPr/>
         <p:nvPr/>
       </p:nvGrpSpPr>
@@ -2222,7 +2230,7 @@
       </p:grpSpPr>
       <p:sp>
         <p:nvSpPr>
-          <p:cNvPr id="217" name="Google Shape;217;ge4bac04123_0_135:notes"/>
+          <p:cNvPr id="218" name="Google Shape;218;ge4bac04123_0_94:notes"/>
           <p:cNvSpPr/>
           <p:nvPr>
             <p:ph idx="2" type="sldImg"/>
@@ -2257,7 +2265,7 @@
       </p:sp>
       <p:sp>
         <p:nvSpPr>
-          <p:cNvPr id="218" name="Google Shape;218;ge4bac04123_0_135:notes"/>
+          <p:cNvPr id="219" name="Google Shape;219;ge4bac04123_0_94:notes"/>
           <p:cNvSpPr txBox="1"/>
           <p:nvPr>
             <p:ph idx="1" type="body"/>
@@ -2307,7 +2315,7 @@
   <p:cSld>
     <p:spTree>
       <p:nvGrpSpPr>
-        <p:cNvPr id="224" name="Shape 224"/>
+        <p:cNvPr id="225" name="Shape 225"/>
         <p:cNvGrpSpPr/>
         <p:nvPr/>
       </p:nvGrpSpPr>
@@ -2321,7 +2329,7 @@
       </p:grpSpPr>
       <p:sp>
         <p:nvSpPr>
-          <p:cNvPr id="225" name="Google Shape;225;ge4bac04123_0_148:notes"/>
+          <p:cNvPr id="226" name="Google Shape;226;ge4bac04123_0_102:notes"/>
           <p:cNvSpPr/>
           <p:nvPr>
             <p:ph idx="2" type="sldImg"/>
@@ -2356,7 +2364,502 @@
       </p:sp>
       <p:sp>
         <p:nvSpPr>
-          <p:cNvPr id="226" name="Google Shape;226;ge4bac04123_0_148:notes"/>
+          <p:cNvPr id="227" name="Google Shape;227;ge4bac04123_0_102:notes"/>
+          <p:cNvSpPr txBox="1"/>
+          <p:nvPr>
+            <p:ph idx="1" type="body"/>
+          </p:nvPr>
+        </p:nvSpPr>
+        <p:spPr>
+          <a:xfrm>
+            <a:off x="685800" y="4343400"/>
+            <a:ext cx="5486400" cy="4114800"/>
+          </a:xfrm>
+          <a:prstGeom prst="rect">
+            <a:avLst/>
+          </a:prstGeom>
+        </p:spPr>
+        <p:txBody>
+          <a:bodyPr anchorCtr="0" anchor="t" bIns="91425" lIns="91425" spcFirstLastPara="1" rIns="91425" wrap="square" tIns="91425">
+            <a:noAutofit/>
+          </a:bodyPr>
+          <a:lstStyle/>
+          <a:p>
+            <a:pPr indent="0" lvl="0" marL="0" rtl="0" algn="l">
+              <a:spcBef>
+                <a:spcPts val="0"/>
+              </a:spcBef>
+              <a:spcAft>
+                <a:spcPts val="0"/>
+              </a:spcAft>
+              <a:buNone/>
+            </a:pPr>
+            <a:r>
+              <a:t/>
+            </a:r>
+            <a:endParaRPr/>
+          </a:p>
+        </p:txBody>
+      </p:sp>
+    </p:spTree>
+  </p:cSld>
+  <p:clrMapOvr>
+    <a:masterClrMapping/>
+  </p:clrMapOvr>
+</p:notes>
+</file>
+
+<file path=ppt/notesSlides/notesSlide25.xml><?xml version="1.0" encoding="utf-8"?>
+<p:notes xmlns:a="http://schemas.openxmlformats.org/drawingml/2006/main" xmlns:r="http://schemas.openxmlformats.org/officeDocument/2006/relationships" xmlns:mc="http://schemas.openxmlformats.org/markup-compatibility/2006" xmlns:mv="urn:schemas-microsoft-com:mac:vml" xmlns:p="http://schemas.openxmlformats.org/presentationml/2006/main" xmlns:c="http://schemas.openxmlformats.org/drawingml/2006/chart" xmlns:dgm="http://schemas.openxmlformats.org/drawingml/2006/diagram" xmlns:o="urn:schemas-microsoft-com:office:office" xmlns:v="urn:schemas-microsoft-com:vml" xmlns:pvml="urn:schemas-microsoft-com:office:powerpoint" xmlns:com="http://schemas.openxmlformats.org/drawingml/2006/compatibility" xmlns:p14="http://schemas.microsoft.com/office/powerpoint/2010/main" xmlns:p15="http://schemas.microsoft.com/office/powerpoint/2012/main" xmlns:ahyp="http://schemas.microsoft.com/office/drawing/2018/hyperlinkcolor" showMasterPhAnim="0" showMasterSp="0">
+  <p:cSld>
+    <p:spTree>
+      <p:nvGrpSpPr>
+        <p:cNvPr id="232" name="Shape 232"/>
+        <p:cNvGrpSpPr/>
+        <p:nvPr/>
+      </p:nvGrpSpPr>
+      <p:grpSpPr>
+        <a:xfrm>
+          <a:off x="0" y="0"/>
+          <a:ext cx="0" cy="0"/>
+          <a:chOff x="0" y="0"/>
+          <a:chExt cx="0" cy="0"/>
+        </a:xfrm>
+      </p:grpSpPr>
+      <p:sp>
+        <p:nvSpPr>
+          <p:cNvPr id="233" name="Google Shape;233;ge4bac04123_0_111:notes"/>
+          <p:cNvSpPr/>
+          <p:nvPr>
+            <p:ph idx="2" type="sldImg"/>
+          </p:nvPr>
+        </p:nvSpPr>
+        <p:spPr>
+          <a:xfrm>
+            <a:off x="381300" y="685800"/>
+            <a:ext cx="6096000" cy="3429000"/>
+          </a:xfrm>
+          <a:custGeom>
+            <a:rect b="b" l="l" r="r" t="t"/>
+            <a:pathLst>
+              <a:path extrusionOk="0" h="120000" w="120000">
+                <a:moveTo>
+                  <a:pt x="0" y="0"/>
+                </a:moveTo>
+                <a:lnTo>
+                  <a:pt x="120000" y="0"/>
+                </a:lnTo>
+                <a:lnTo>
+                  <a:pt x="120000" y="120000"/>
+                </a:lnTo>
+                <a:lnTo>
+                  <a:pt x="0" y="120000"/>
+                </a:lnTo>
+                <a:close/>
+              </a:path>
+            </a:pathLst>
+          </a:custGeom>
+        </p:spPr>
+      </p:sp>
+      <p:sp>
+        <p:nvSpPr>
+          <p:cNvPr id="234" name="Google Shape;234;ge4bac04123_0_111:notes"/>
+          <p:cNvSpPr txBox="1"/>
+          <p:nvPr>
+            <p:ph idx="1" type="body"/>
+          </p:nvPr>
+        </p:nvSpPr>
+        <p:spPr>
+          <a:xfrm>
+            <a:off x="685800" y="4343400"/>
+            <a:ext cx="5486400" cy="4114800"/>
+          </a:xfrm>
+          <a:prstGeom prst="rect">
+            <a:avLst/>
+          </a:prstGeom>
+        </p:spPr>
+        <p:txBody>
+          <a:bodyPr anchorCtr="0" anchor="t" bIns="91425" lIns="91425" spcFirstLastPara="1" rIns="91425" wrap="square" tIns="91425">
+            <a:noAutofit/>
+          </a:bodyPr>
+          <a:lstStyle/>
+          <a:p>
+            <a:pPr indent="0" lvl="0" marL="0" rtl="0" algn="l">
+              <a:spcBef>
+                <a:spcPts val="0"/>
+              </a:spcBef>
+              <a:spcAft>
+                <a:spcPts val="0"/>
+              </a:spcAft>
+              <a:buNone/>
+            </a:pPr>
+            <a:r>
+              <a:t/>
+            </a:r>
+            <a:endParaRPr/>
+          </a:p>
+        </p:txBody>
+      </p:sp>
+    </p:spTree>
+  </p:cSld>
+  <p:clrMapOvr>
+    <a:masterClrMapping/>
+  </p:clrMapOvr>
+</p:notes>
+</file>
+
+<file path=ppt/notesSlides/notesSlide26.xml><?xml version="1.0" encoding="utf-8"?>
+<p:notes xmlns:a="http://schemas.openxmlformats.org/drawingml/2006/main" xmlns:r="http://schemas.openxmlformats.org/officeDocument/2006/relationships" xmlns:mc="http://schemas.openxmlformats.org/markup-compatibility/2006" xmlns:mv="urn:schemas-microsoft-com:mac:vml" xmlns:p="http://schemas.openxmlformats.org/presentationml/2006/main" xmlns:c="http://schemas.openxmlformats.org/drawingml/2006/chart" xmlns:dgm="http://schemas.openxmlformats.org/drawingml/2006/diagram" xmlns:o="urn:schemas-microsoft-com:office:office" xmlns:v="urn:schemas-microsoft-com:vml" xmlns:pvml="urn:schemas-microsoft-com:office:powerpoint" xmlns:com="http://schemas.openxmlformats.org/drawingml/2006/compatibility" xmlns:p14="http://schemas.microsoft.com/office/powerpoint/2010/main" xmlns:p15="http://schemas.microsoft.com/office/powerpoint/2012/main" xmlns:ahyp="http://schemas.microsoft.com/office/drawing/2018/hyperlinkcolor" showMasterPhAnim="0" showMasterSp="0">
+  <p:cSld>
+    <p:spTree>
+      <p:nvGrpSpPr>
+        <p:cNvPr id="239" name="Shape 239"/>
+        <p:cNvGrpSpPr/>
+        <p:nvPr/>
+      </p:nvGrpSpPr>
+      <p:grpSpPr>
+        <a:xfrm>
+          <a:off x="0" y="0"/>
+          <a:ext cx="0" cy="0"/>
+          <a:chOff x="0" y="0"/>
+          <a:chExt cx="0" cy="0"/>
+        </a:xfrm>
+      </p:grpSpPr>
+      <p:sp>
+        <p:nvSpPr>
+          <p:cNvPr id="240" name="Google Shape;240;ge4bac04123_0_119:notes"/>
+          <p:cNvSpPr/>
+          <p:nvPr>
+            <p:ph idx="2" type="sldImg"/>
+          </p:nvPr>
+        </p:nvSpPr>
+        <p:spPr>
+          <a:xfrm>
+            <a:off x="381300" y="685800"/>
+            <a:ext cx="6096000" cy="3429000"/>
+          </a:xfrm>
+          <a:custGeom>
+            <a:rect b="b" l="l" r="r" t="t"/>
+            <a:pathLst>
+              <a:path extrusionOk="0" h="120000" w="120000">
+                <a:moveTo>
+                  <a:pt x="0" y="0"/>
+                </a:moveTo>
+                <a:lnTo>
+                  <a:pt x="120000" y="0"/>
+                </a:lnTo>
+                <a:lnTo>
+                  <a:pt x="120000" y="120000"/>
+                </a:lnTo>
+                <a:lnTo>
+                  <a:pt x="0" y="120000"/>
+                </a:lnTo>
+                <a:close/>
+              </a:path>
+            </a:pathLst>
+          </a:custGeom>
+        </p:spPr>
+      </p:sp>
+      <p:sp>
+        <p:nvSpPr>
+          <p:cNvPr id="241" name="Google Shape;241;ge4bac04123_0_119:notes"/>
+          <p:cNvSpPr txBox="1"/>
+          <p:nvPr>
+            <p:ph idx="1" type="body"/>
+          </p:nvPr>
+        </p:nvSpPr>
+        <p:spPr>
+          <a:xfrm>
+            <a:off x="685800" y="4343400"/>
+            <a:ext cx="5486400" cy="4114800"/>
+          </a:xfrm>
+          <a:prstGeom prst="rect">
+            <a:avLst/>
+          </a:prstGeom>
+        </p:spPr>
+        <p:txBody>
+          <a:bodyPr anchorCtr="0" anchor="t" bIns="91425" lIns="91425" spcFirstLastPara="1" rIns="91425" wrap="square" tIns="91425">
+            <a:noAutofit/>
+          </a:bodyPr>
+          <a:lstStyle/>
+          <a:p>
+            <a:pPr indent="0" lvl="0" marL="0" rtl="0" algn="l">
+              <a:spcBef>
+                <a:spcPts val="0"/>
+              </a:spcBef>
+              <a:spcAft>
+                <a:spcPts val="0"/>
+              </a:spcAft>
+              <a:buNone/>
+            </a:pPr>
+            <a:r>
+              <a:t/>
+            </a:r>
+            <a:endParaRPr/>
+          </a:p>
+        </p:txBody>
+      </p:sp>
+    </p:spTree>
+  </p:cSld>
+  <p:clrMapOvr>
+    <a:masterClrMapping/>
+  </p:clrMapOvr>
+</p:notes>
+</file>
+
+<file path=ppt/notesSlides/notesSlide27.xml><?xml version="1.0" encoding="utf-8"?>
+<p:notes xmlns:a="http://schemas.openxmlformats.org/drawingml/2006/main" xmlns:r="http://schemas.openxmlformats.org/officeDocument/2006/relationships" xmlns:mc="http://schemas.openxmlformats.org/markup-compatibility/2006" xmlns:mv="urn:schemas-microsoft-com:mac:vml" xmlns:p="http://schemas.openxmlformats.org/presentationml/2006/main" xmlns:c="http://schemas.openxmlformats.org/drawingml/2006/chart" xmlns:dgm="http://schemas.openxmlformats.org/drawingml/2006/diagram" xmlns:o="urn:schemas-microsoft-com:office:office" xmlns:v="urn:schemas-microsoft-com:vml" xmlns:pvml="urn:schemas-microsoft-com:office:powerpoint" xmlns:com="http://schemas.openxmlformats.org/drawingml/2006/compatibility" xmlns:p14="http://schemas.microsoft.com/office/powerpoint/2010/main" xmlns:p15="http://schemas.microsoft.com/office/powerpoint/2012/main" xmlns:ahyp="http://schemas.microsoft.com/office/drawing/2018/hyperlinkcolor" showMasterPhAnim="0" showMasterSp="0">
+  <p:cSld>
+    <p:spTree>
+      <p:nvGrpSpPr>
+        <p:cNvPr id="246" name="Shape 246"/>
+        <p:cNvGrpSpPr/>
+        <p:nvPr/>
+      </p:nvGrpSpPr>
+      <p:grpSpPr>
+        <a:xfrm>
+          <a:off x="0" y="0"/>
+          <a:ext cx="0" cy="0"/>
+          <a:chOff x="0" y="0"/>
+          <a:chExt cx="0" cy="0"/>
+        </a:xfrm>
+      </p:grpSpPr>
+      <p:sp>
+        <p:nvSpPr>
+          <p:cNvPr id="247" name="Google Shape;247;ge4bac04123_0_127:notes"/>
+          <p:cNvSpPr/>
+          <p:nvPr>
+            <p:ph idx="2" type="sldImg"/>
+          </p:nvPr>
+        </p:nvSpPr>
+        <p:spPr>
+          <a:xfrm>
+            <a:off x="381300" y="685800"/>
+            <a:ext cx="6096000" cy="3429000"/>
+          </a:xfrm>
+          <a:custGeom>
+            <a:rect b="b" l="l" r="r" t="t"/>
+            <a:pathLst>
+              <a:path extrusionOk="0" h="120000" w="120000">
+                <a:moveTo>
+                  <a:pt x="0" y="0"/>
+                </a:moveTo>
+                <a:lnTo>
+                  <a:pt x="120000" y="0"/>
+                </a:lnTo>
+                <a:lnTo>
+                  <a:pt x="120000" y="120000"/>
+                </a:lnTo>
+                <a:lnTo>
+                  <a:pt x="0" y="120000"/>
+                </a:lnTo>
+                <a:close/>
+              </a:path>
+            </a:pathLst>
+          </a:custGeom>
+        </p:spPr>
+      </p:sp>
+      <p:sp>
+        <p:nvSpPr>
+          <p:cNvPr id="248" name="Google Shape;248;ge4bac04123_0_127:notes"/>
+          <p:cNvSpPr txBox="1"/>
+          <p:nvPr>
+            <p:ph idx="1" type="body"/>
+          </p:nvPr>
+        </p:nvSpPr>
+        <p:spPr>
+          <a:xfrm>
+            <a:off x="685800" y="4343400"/>
+            <a:ext cx="5486400" cy="4114800"/>
+          </a:xfrm>
+          <a:prstGeom prst="rect">
+            <a:avLst/>
+          </a:prstGeom>
+        </p:spPr>
+        <p:txBody>
+          <a:bodyPr anchorCtr="0" anchor="t" bIns="91425" lIns="91425" spcFirstLastPara="1" rIns="91425" wrap="square" tIns="91425">
+            <a:noAutofit/>
+          </a:bodyPr>
+          <a:lstStyle/>
+          <a:p>
+            <a:pPr indent="0" lvl="0" marL="0" rtl="0" algn="l">
+              <a:spcBef>
+                <a:spcPts val="0"/>
+              </a:spcBef>
+              <a:spcAft>
+                <a:spcPts val="0"/>
+              </a:spcAft>
+              <a:buNone/>
+            </a:pPr>
+            <a:r>
+              <a:t/>
+            </a:r>
+            <a:endParaRPr/>
+          </a:p>
+        </p:txBody>
+      </p:sp>
+    </p:spTree>
+  </p:cSld>
+  <p:clrMapOvr>
+    <a:masterClrMapping/>
+  </p:clrMapOvr>
+</p:notes>
+</file>
+
+<file path=ppt/notesSlides/notesSlide28.xml><?xml version="1.0" encoding="utf-8"?>
+<p:notes xmlns:a="http://schemas.openxmlformats.org/drawingml/2006/main" xmlns:r="http://schemas.openxmlformats.org/officeDocument/2006/relationships" xmlns:mc="http://schemas.openxmlformats.org/markup-compatibility/2006" xmlns:mv="urn:schemas-microsoft-com:mac:vml" xmlns:p="http://schemas.openxmlformats.org/presentationml/2006/main" xmlns:c="http://schemas.openxmlformats.org/drawingml/2006/chart" xmlns:dgm="http://schemas.openxmlformats.org/drawingml/2006/diagram" xmlns:o="urn:schemas-microsoft-com:office:office" xmlns:v="urn:schemas-microsoft-com:vml" xmlns:pvml="urn:schemas-microsoft-com:office:powerpoint" xmlns:com="http://schemas.openxmlformats.org/drawingml/2006/compatibility" xmlns:p14="http://schemas.microsoft.com/office/powerpoint/2010/main" xmlns:p15="http://schemas.microsoft.com/office/powerpoint/2012/main" xmlns:ahyp="http://schemas.microsoft.com/office/drawing/2018/hyperlinkcolor" showMasterPhAnim="0" showMasterSp="0">
+  <p:cSld>
+    <p:spTree>
+      <p:nvGrpSpPr>
+        <p:cNvPr id="253" name="Shape 253"/>
+        <p:cNvGrpSpPr/>
+        <p:nvPr/>
+      </p:nvGrpSpPr>
+      <p:grpSpPr>
+        <a:xfrm>
+          <a:off x="0" y="0"/>
+          <a:ext cx="0" cy="0"/>
+          <a:chOff x="0" y="0"/>
+          <a:chExt cx="0" cy="0"/>
+        </a:xfrm>
+      </p:grpSpPr>
+      <p:sp>
+        <p:nvSpPr>
+          <p:cNvPr id="254" name="Google Shape;254;ge4bac04123_0_135:notes"/>
+          <p:cNvSpPr/>
+          <p:nvPr>
+            <p:ph idx="2" type="sldImg"/>
+          </p:nvPr>
+        </p:nvSpPr>
+        <p:spPr>
+          <a:xfrm>
+            <a:off x="381300" y="685800"/>
+            <a:ext cx="6096000" cy="3429000"/>
+          </a:xfrm>
+          <a:custGeom>
+            <a:rect b="b" l="l" r="r" t="t"/>
+            <a:pathLst>
+              <a:path extrusionOk="0" h="120000" w="120000">
+                <a:moveTo>
+                  <a:pt x="0" y="0"/>
+                </a:moveTo>
+                <a:lnTo>
+                  <a:pt x="120000" y="0"/>
+                </a:lnTo>
+                <a:lnTo>
+                  <a:pt x="120000" y="120000"/>
+                </a:lnTo>
+                <a:lnTo>
+                  <a:pt x="0" y="120000"/>
+                </a:lnTo>
+                <a:close/>
+              </a:path>
+            </a:pathLst>
+          </a:custGeom>
+        </p:spPr>
+      </p:sp>
+      <p:sp>
+        <p:nvSpPr>
+          <p:cNvPr id="255" name="Google Shape;255;ge4bac04123_0_135:notes"/>
+          <p:cNvSpPr txBox="1"/>
+          <p:nvPr>
+            <p:ph idx="1" type="body"/>
+          </p:nvPr>
+        </p:nvSpPr>
+        <p:spPr>
+          <a:xfrm>
+            <a:off x="685800" y="4343400"/>
+            <a:ext cx="5486400" cy="4114800"/>
+          </a:xfrm>
+          <a:prstGeom prst="rect">
+            <a:avLst/>
+          </a:prstGeom>
+        </p:spPr>
+        <p:txBody>
+          <a:bodyPr anchorCtr="0" anchor="t" bIns="91425" lIns="91425" spcFirstLastPara="1" rIns="91425" wrap="square" tIns="91425">
+            <a:noAutofit/>
+          </a:bodyPr>
+          <a:lstStyle/>
+          <a:p>
+            <a:pPr indent="0" lvl="0" marL="0" rtl="0" algn="l">
+              <a:spcBef>
+                <a:spcPts val="0"/>
+              </a:spcBef>
+              <a:spcAft>
+                <a:spcPts val="0"/>
+              </a:spcAft>
+              <a:buNone/>
+            </a:pPr>
+            <a:r>
+              <a:t/>
+            </a:r>
+            <a:endParaRPr/>
+          </a:p>
+        </p:txBody>
+      </p:sp>
+    </p:spTree>
+  </p:cSld>
+  <p:clrMapOvr>
+    <a:masterClrMapping/>
+  </p:clrMapOvr>
+</p:notes>
+</file>
+
+<file path=ppt/notesSlides/notesSlide29.xml><?xml version="1.0" encoding="utf-8"?>
+<p:notes xmlns:a="http://schemas.openxmlformats.org/drawingml/2006/main" xmlns:r="http://schemas.openxmlformats.org/officeDocument/2006/relationships" xmlns:mc="http://schemas.openxmlformats.org/markup-compatibility/2006" xmlns:mv="urn:schemas-microsoft-com:mac:vml" xmlns:p="http://schemas.openxmlformats.org/presentationml/2006/main" xmlns:c="http://schemas.openxmlformats.org/drawingml/2006/chart" xmlns:dgm="http://schemas.openxmlformats.org/drawingml/2006/diagram" xmlns:o="urn:schemas-microsoft-com:office:office" xmlns:v="urn:schemas-microsoft-com:vml" xmlns:pvml="urn:schemas-microsoft-com:office:powerpoint" xmlns:com="http://schemas.openxmlformats.org/drawingml/2006/compatibility" xmlns:p14="http://schemas.microsoft.com/office/powerpoint/2010/main" xmlns:p15="http://schemas.microsoft.com/office/powerpoint/2012/main" xmlns:ahyp="http://schemas.microsoft.com/office/drawing/2018/hyperlinkcolor" showMasterPhAnim="0" showMasterSp="0">
+  <p:cSld>
+    <p:spTree>
+      <p:nvGrpSpPr>
+        <p:cNvPr id="261" name="Shape 261"/>
+        <p:cNvGrpSpPr/>
+        <p:nvPr/>
+      </p:nvGrpSpPr>
+      <p:grpSpPr>
+        <a:xfrm>
+          <a:off x="0" y="0"/>
+          <a:ext cx="0" cy="0"/>
+          <a:chOff x="0" y="0"/>
+          <a:chExt cx="0" cy="0"/>
+        </a:xfrm>
+      </p:grpSpPr>
+      <p:sp>
+        <p:nvSpPr>
+          <p:cNvPr id="262" name="Google Shape;262;ge4bac04123_0_148:notes"/>
+          <p:cNvSpPr/>
+          <p:nvPr>
+            <p:ph idx="2" type="sldImg"/>
+          </p:nvPr>
+        </p:nvSpPr>
+        <p:spPr>
+          <a:xfrm>
+            <a:off x="381300" y="685800"/>
+            <a:ext cx="6096000" cy="3429000"/>
+          </a:xfrm>
+          <a:custGeom>
+            <a:rect b="b" l="l" r="r" t="t"/>
+            <a:pathLst>
+              <a:path extrusionOk="0" h="120000" w="120000">
+                <a:moveTo>
+                  <a:pt x="0" y="0"/>
+                </a:moveTo>
+                <a:lnTo>
+                  <a:pt x="120000" y="0"/>
+                </a:lnTo>
+                <a:lnTo>
+                  <a:pt x="120000" y="120000"/>
+                </a:lnTo>
+                <a:lnTo>
+                  <a:pt x="0" y="120000"/>
+                </a:lnTo>
+                <a:close/>
+              </a:path>
+            </a:pathLst>
+          </a:custGeom>
+        </p:spPr>
+      </p:sp>
+      <p:sp>
+        <p:nvSpPr>
+          <p:cNvPr id="263" name="Google Shape;263;ge4bac04123_0_148:notes"/>
           <p:cNvSpPr txBox="1"/>
           <p:nvPr>
             <p:ph idx="1" type="body"/>
@@ -2456,6 +2959,303 @@
       <p:sp>
         <p:nvSpPr>
           <p:cNvPr id="83" name="Google Shape;83;ge4a1713e5e_0_70:notes"/>
+          <p:cNvSpPr txBox="1"/>
+          <p:nvPr>
+            <p:ph idx="1" type="body"/>
+          </p:nvPr>
+        </p:nvSpPr>
+        <p:spPr>
+          <a:xfrm>
+            <a:off x="685800" y="4343400"/>
+            <a:ext cx="5486400" cy="4114800"/>
+          </a:xfrm>
+          <a:prstGeom prst="rect">
+            <a:avLst/>
+          </a:prstGeom>
+        </p:spPr>
+        <p:txBody>
+          <a:bodyPr anchorCtr="0" anchor="t" bIns="91425" lIns="91425" spcFirstLastPara="1" rIns="91425" wrap="square" tIns="91425">
+            <a:noAutofit/>
+          </a:bodyPr>
+          <a:lstStyle/>
+          <a:p>
+            <a:pPr indent="0" lvl="0" marL="0" rtl="0" algn="l">
+              <a:spcBef>
+                <a:spcPts val="0"/>
+              </a:spcBef>
+              <a:spcAft>
+                <a:spcPts val="0"/>
+              </a:spcAft>
+              <a:buNone/>
+            </a:pPr>
+            <a:r>
+              <a:t/>
+            </a:r>
+            <a:endParaRPr/>
+          </a:p>
+        </p:txBody>
+      </p:sp>
+    </p:spTree>
+  </p:cSld>
+  <p:clrMapOvr>
+    <a:masterClrMapping/>
+  </p:clrMapOvr>
+</p:notes>
+</file>
+
+<file path=ppt/notesSlides/notesSlide30.xml><?xml version="1.0" encoding="utf-8"?>
+<p:notes xmlns:a="http://schemas.openxmlformats.org/drawingml/2006/main" xmlns:r="http://schemas.openxmlformats.org/officeDocument/2006/relationships" xmlns:mc="http://schemas.openxmlformats.org/markup-compatibility/2006" xmlns:mv="urn:schemas-microsoft-com:mac:vml" xmlns:p="http://schemas.openxmlformats.org/presentationml/2006/main" xmlns:c="http://schemas.openxmlformats.org/drawingml/2006/chart" xmlns:dgm="http://schemas.openxmlformats.org/drawingml/2006/diagram" xmlns:o="urn:schemas-microsoft-com:office:office" xmlns:v="urn:schemas-microsoft-com:vml" xmlns:pvml="urn:schemas-microsoft-com:office:powerpoint" xmlns:com="http://schemas.openxmlformats.org/drawingml/2006/compatibility" xmlns:p14="http://schemas.microsoft.com/office/powerpoint/2010/main" xmlns:p15="http://schemas.microsoft.com/office/powerpoint/2012/main" xmlns:ahyp="http://schemas.microsoft.com/office/drawing/2018/hyperlinkcolor" showMasterPhAnim="0" showMasterSp="0">
+  <p:cSld>
+    <p:spTree>
+      <p:nvGrpSpPr>
+        <p:cNvPr id="268" name="Shape 268"/>
+        <p:cNvGrpSpPr/>
+        <p:nvPr/>
+      </p:nvGrpSpPr>
+      <p:grpSpPr>
+        <a:xfrm>
+          <a:off x="0" y="0"/>
+          <a:ext cx="0" cy="0"/>
+          <a:chOff x="0" y="0"/>
+          <a:chExt cx="0" cy="0"/>
+        </a:xfrm>
+      </p:grpSpPr>
+      <p:sp>
+        <p:nvSpPr>
+          <p:cNvPr id="269" name="Google Shape;269;g113779f9cea_0_0:notes"/>
+          <p:cNvSpPr/>
+          <p:nvPr>
+            <p:ph idx="2" type="sldImg"/>
+          </p:nvPr>
+        </p:nvSpPr>
+        <p:spPr>
+          <a:xfrm>
+            <a:off x="381300" y="685800"/>
+            <a:ext cx="6096000" cy="3429000"/>
+          </a:xfrm>
+          <a:custGeom>
+            <a:rect b="b" l="l" r="r" t="t"/>
+            <a:pathLst>
+              <a:path extrusionOk="0" h="120000" w="120000">
+                <a:moveTo>
+                  <a:pt x="0" y="0"/>
+                </a:moveTo>
+                <a:lnTo>
+                  <a:pt x="120000" y="0"/>
+                </a:lnTo>
+                <a:lnTo>
+                  <a:pt x="120000" y="120000"/>
+                </a:lnTo>
+                <a:lnTo>
+                  <a:pt x="0" y="120000"/>
+                </a:lnTo>
+                <a:close/>
+              </a:path>
+            </a:pathLst>
+          </a:custGeom>
+        </p:spPr>
+      </p:sp>
+      <p:sp>
+        <p:nvSpPr>
+          <p:cNvPr id="270" name="Google Shape;270;g113779f9cea_0_0:notes"/>
+          <p:cNvSpPr txBox="1"/>
+          <p:nvPr>
+            <p:ph idx="1" type="body"/>
+          </p:nvPr>
+        </p:nvSpPr>
+        <p:spPr>
+          <a:xfrm>
+            <a:off x="685800" y="4343400"/>
+            <a:ext cx="5486400" cy="4114800"/>
+          </a:xfrm>
+          <a:prstGeom prst="rect">
+            <a:avLst/>
+          </a:prstGeom>
+        </p:spPr>
+        <p:txBody>
+          <a:bodyPr anchorCtr="0" anchor="t" bIns="91425" lIns="91425" spcFirstLastPara="1" rIns="91425" wrap="square" tIns="91425">
+            <a:noAutofit/>
+          </a:bodyPr>
+          <a:lstStyle/>
+          <a:p>
+            <a:pPr indent="0" lvl="0" marL="0" rtl="0" algn="l">
+              <a:spcBef>
+                <a:spcPts val="0"/>
+              </a:spcBef>
+              <a:spcAft>
+                <a:spcPts val="0"/>
+              </a:spcAft>
+              <a:buNone/>
+            </a:pPr>
+            <a:r>
+              <a:t/>
+            </a:r>
+            <a:endParaRPr/>
+          </a:p>
+        </p:txBody>
+      </p:sp>
+    </p:spTree>
+  </p:cSld>
+  <p:clrMapOvr>
+    <a:masterClrMapping/>
+  </p:clrMapOvr>
+</p:notes>
+</file>
+
+<file path=ppt/notesSlides/notesSlide31.xml><?xml version="1.0" encoding="utf-8"?>
+<p:notes xmlns:a="http://schemas.openxmlformats.org/drawingml/2006/main" xmlns:r="http://schemas.openxmlformats.org/officeDocument/2006/relationships" xmlns:mc="http://schemas.openxmlformats.org/markup-compatibility/2006" xmlns:mv="urn:schemas-microsoft-com:mac:vml" xmlns:p="http://schemas.openxmlformats.org/presentationml/2006/main" xmlns:c="http://schemas.openxmlformats.org/drawingml/2006/chart" xmlns:dgm="http://schemas.openxmlformats.org/drawingml/2006/diagram" xmlns:o="urn:schemas-microsoft-com:office:office" xmlns:v="urn:schemas-microsoft-com:vml" xmlns:pvml="urn:schemas-microsoft-com:office:powerpoint" xmlns:com="http://schemas.openxmlformats.org/drawingml/2006/compatibility" xmlns:p14="http://schemas.microsoft.com/office/powerpoint/2010/main" xmlns:p15="http://schemas.microsoft.com/office/powerpoint/2012/main" xmlns:ahyp="http://schemas.microsoft.com/office/drawing/2018/hyperlinkcolor" showMasterPhAnim="0" showMasterSp="0">
+  <p:cSld>
+    <p:spTree>
+      <p:nvGrpSpPr>
+        <p:cNvPr id="275" name="Shape 275"/>
+        <p:cNvGrpSpPr/>
+        <p:nvPr/>
+      </p:nvGrpSpPr>
+      <p:grpSpPr>
+        <a:xfrm>
+          <a:off x="0" y="0"/>
+          <a:ext cx="0" cy="0"/>
+          <a:chOff x="0" y="0"/>
+          <a:chExt cx="0" cy="0"/>
+        </a:xfrm>
+      </p:grpSpPr>
+      <p:sp>
+        <p:nvSpPr>
+          <p:cNvPr id="276" name="Google Shape;276;g113779f9cea_0_6:notes"/>
+          <p:cNvSpPr/>
+          <p:nvPr>
+            <p:ph idx="2" type="sldImg"/>
+          </p:nvPr>
+        </p:nvSpPr>
+        <p:spPr>
+          <a:xfrm>
+            <a:off x="381300" y="685800"/>
+            <a:ext cx="6096000" cy="3429000"/>
+          </a:xfrm>
+          <a:custGeom>
+            <a:rect b="b" l="l" r="r" t="t"/>
+            <a:pathLst>
+              <a:path extrusionOk="0" h="120000" w="120000">
+                <a:moveTo>
+                  <a:pt x="0" y="0"/>
+                </a:moveTo>
+                <a:lnTo>
+                  <a:pt x="120000" y="0"/>
+                </a:lnTo>
+                <a:lnTo>
+                  <a:pt x="120000" y="120000"/>
+                </a:lnTo>
+                <a:lnTo>
+                  <a:pt x="0" y="120000"/>
+                </a:lnTo>
+                <a:close/>
+              </a:path>
+            </a:pathLst>
+          </a:custGeom>
+        </p:spPr>
+      </p:sp>
+      <p:sp>
+        <p:nvSpPr>
+          <p:cNvPr id="277" name="Google Shape;277;g113779f9cea_0_6:notes"/>
+          <p:cNvSpPr txBox="1"/>
+          <p:nvPr>
+            <p:ph idx="1" type="body"/>
+          </p:nvPr>
+        </p:nvSpPr>
+        <p:spPr>
+          <a:xfrm>
+            <a:off x="685800" y="4343400"/>
+            <a:ext cx="5486400" cy="4114800"/>
+          </a:xfrm>
+          <a:prstGeom prst="rect">
+            <a:avLst/>
+          </a:prstGeom>
+        </p:spPr>
+        <p:txBody>
+          <a:bodyPr anchorCtr="0" anchor="t" bIns="91425" lIns="91425" spcFirstLastPara="1" rIns="91425" wrap="square" tIns="91425">
+            <a:noAutofit/>
+          </a:bodyPr>
+          <a:lstStyle/>
+          <a:p>
+            <a:pPr indent="0" lvl="0" marL="0" rtl="0" algn="l">
+              <a:spcBef>
+                <a:spcPts val="0"/>
+              </a:spcBef>
+              <a:spcAft>
+                <a:spcPts val="0"/>
+              </a:spcAft>
+              <a:buNone/>
+            </a:pPr>
+            <a:r>
+              <a:t/>
+            </a:r>
+            <a:endParaRPr/>
+          </a:p>
+        </p:txBody>
+      </p:sp>
+    </p:spTree>
+  </p:cSld>
+  <p:clrMapOvr>
+    <a:masterClrMapping/>
+  </p:clrMapOvr>
+</p:notes>
+</file>
+
+<file path=ppt/notesSlides/notesSlide32.xml><?xml version="1.0" encoding="utf-8"?>
+<p:notes xmlns:a="http://schemas.openxmlformats.org/drawingml/2006/main" xmlns:r="http://schemas.openxmlformats.org/officeDocument/2006/relationships" xmlns:mc="http://schemas.openxmlformats.org/markup-compatibility/2006" xmlns:mv="urn:schemas-microsoft-com:mac:vml" xmlns:p="http://schemas.openxmlformats.org/presentationml/2006/main" xmlns:c="http://schemas.openxmlformats.org/drawingml/2006/chart" xmlns:dgm="http://schemas.openxmlformats.org/drawingml/2006/diagram" xmlns:o="urn:schemas-microsoft-com:office:office" xmlns:v="urn:schemas-microsoft-com:vml" xmlns:pvml="urn:schemas-microsoft-com:office:powerpoint" xmlns:com="http://schemas.openxmlformats.org/drawingml/2006/compatibility" xmlns:p14="http://schemas.microsoft.com/office/powerpoint/2010/main" xmlns:p15="http://schemas.microsoft.com/office/powerpoint/2012/main" xmlns:ahyp="http://schemas.microsoft.com/office/drawing/2018/hyperlinkcolor" showMasterPhAnim="0" showMasterSp="0">
+  <p:cSld>
+    <p:spTree>
+      <p:nvGrpSpPr>
+        <p:cNvPr id="282" name="Shape 282"/>
+        <p:cNvGrpSpPr/>
+        <p:nvPr/>
+      </p:nvGrpSpPr>
+      <p:grpSpPr>
+        <a:xfrm>
+          <a:off x="0" y="0"/>
+          <a:ext cx="0" cy="0"/>
+          <a:chOff x="0" y="0"/>
+          <a:chExt cx="0" cy="0"/>
+        </a:xfrm>
+      </p:grpSpPr>
+      <p:sp>
+        <p:nvSpPr>
+          <p:cNvPr id="283" name="Google Shape;283;g113779f9cea_0_12:notes"/>
+          <p:cNvSpPr/>
+          <p:nvPr>
+            <p:ph idx="2" type="sldImg"/>
+          </p:nvPr>
+        </p:nvSpPr>
+        <p:spPr>
+          <a:xfrm>
+            <a:off x="381300" y="685800"/>
+            <a:ext cx="6096000" cy="3429000"/>
+          </a:xfrm>
+          <a:custGeom>
+            <a:rect b="b" l="l" r="r" t="t"/>
+            <a:pathLst>
+              <a:path extrusionOk="0" h="120000" w="120000">
+                <a:moveTo>
+                  <a:pt x="0" y="0"/>
+                </a:moveTo>
+                <a:lnTo>
+                  <a:pt x="120000" y="0"/>
+                </a:lnTo>
+                <a:lnTo>
+                  <a:pt x="120000" y="120000"/>
+                </a:lnTo>
+                <a:lnTo>
+                  <a:pt x="0" y="120000"/>
+                </a:lnTo>
+                <a:close/>
+              </a:path>
+            </a:pathLst>
+          </a:custGeom>
+        </p:spPr>
+      </p:sp>
+      <p:sp>
+        <p:nvSpPr>
+          <p:cNvPr id="284" name="Google Shape;284;g113779f9cea_0_12:notes"/>
           <p:cNvSpPr txBox="1"/>
           <p:nvPr>
             <p:ph idx="1" type="body"/>
@@ -10155,16 +10955,16 @@
         </p:nvSpPr>
         <p:spPr>
           <a:xfrm>
-            <a:off x="311700" y="445025"/>
-            <a:ext cx="8520600" cy="572700"/>
+            <a:off x="457200" y="205978"/>
+            <a:ext cx="8229600" cy="857400"/>
           </a:xfrm>
           <a:prstGeom prst="rect">
             <a:avLst/>
           </a:prstGeom>
         </p:spPr>
         <p:txBody>
-          <a:bodyPr anchorCtr="0" anchor="t" bIns="91425" lIns="91425" spcFirstLastPara="1" rIns="91425" wrap="square" tIns="91425">
-            <a:normAutofit fontScale="90000"/>
+          <a:bodyPr anchorCtr="0" anchor="ctr" bIns="45700" lIns="91425" spcFirstLastPara="1" rIns="91425" wrap="square" tIns="45700">
+            <a:normAutofit/>
           </a:bodyPr>
           <a:lstStyle/>
           <a:p>
@@ -10179,7 +10979,7 @@
             </a:pPr>
             <a:r>
               <a:rPr lang="en"/>
-              <a:t>Classification method - Supervised approach</a:t>
+              <a:t>One-hot representation</a:t>
             </a:r>
             <a:endParaRPr/>
           </a:p>
@@ -10201,36 +11001,8 @@
         </p:blipFill>
         <p:spPr>
           <a:xfrm>
-            <a:off x="228600" y="1627325"/>
-            <a:ext cx="4056075" cy="2287600"/>
-          </a:xfrm>
-          <a:prstGeom prst="rect">
-            <a:avLst/>
-          </a:prstGeom>
-          <a:noFill/>
-          <a:ln>
-            <a:noFill/>
-          </a:ln>
-        </p:spPr>
-      </p:pic>
-      <p:pic>
-        <p:nvPicPr>
-          <p:cNvPr id="145" name="Google Shape;145;p26"/>
-          <p:cNvPicPr preferRelativeResize="0"/>
-          <p:nvPr/>
-        </p:nvPicPr>
-        <p:blipFill>
-          <a:blip r:embed="rId4">
-            <a:alphaModFix/>
-          </a:blip>
-          <a:stretch>
-            <a:fillRect/>
-          </a:stretch>
-        </p:blipFill>
-        <p:spPr>
-          <a:xfrm>
-            <a:off x="4589475" y="1855925"/>
-            <a:ext cx="3894275" cy="1809000"/>
+            <a:off x="601900" y="1215775"/>
+            <a:ext cx="7617600" cy="2786651"/>
           </a:xfrm>
           <a:prstGeom prst="rect">
             <a:avLst/>
@@ -10254,7 +11026,7 @@
   <p:cSld>
     <p:spTree>
       <p:nvGrpSpPr>
-        <p:cNvPr id="149" name="Shape 149"/>
+        <p:cNvPr id="148" name="Shape 148"/>
         <p:cNvGrpSpPr/>
         <p:nvPr/>
       </p:nvGrpSpPr>
@@ -10268,7 +11040,7 @@
       </p:grpSpPr>
       <p:sp>
         <p:nvSpPr>
-          <p:cNvPr id="150" name="Google Shape;150;p27"/>
+          <p:cNvPr id="149" name="Google Shape;149;p27"/>
           <p:cNvSpPr txBox="1"/>
           <p:nvPr>
             <p:ph type="title"/>
@@ -10276,16 +11048,16 @@
         </p:nvSpPr>
         <p:spPr>
           <a:xfrm>
-            <a:off x="311700" y="445025"/>
-            <a:ext cx="8520600" cy="572700"/>
+            <a:off x="457200" y="205978"/>
+            <a:ext cx="8229600" cy="857400"/>
           </a:xfrm>
           <a:prstGeom prst="rect">
             <a:avLst/>
           </a:prstGeom>
         </p:spPr>
         <p:txBody>
-          <a:bodyPr anchorCtr="0" anchor="t" bIns="91425" lIns="91425" spcFirstLastPara="1" rIns="91425" wrap="square" tIns="91425">
-            <a:normAutofit fontScale="90000"/>
+          <a:bodyPr anchorCtr="0" anchor="ctr" bIns="45700" lIns="91425" spcFirstLastPara="1" rIns="91425" wrap="square" tIns="45700">
+            <a:normAutofit/>
           </a:bodyPr>
           <a:lstStyle/>
           <a:p>
@@ -10300,7 +11072,7 @@
             </a:pPr>
             <a:r>
               <a:rPr lang="en"/>
-              <a:t>Classification method - Supervised approach</a:t>
+              <a:t>Distributional Semantics</a:t>
             </a:r>
             <a:endParaRPr/>
           </a:p>
@@ -10308,7 +11080,7 @@
       </p:sp>
       <p:pic>
         <p:nvPicPr>
-          <p:cNvPr id="151" name="Google Shape;151;p27"/>
+          <p:cNvPr id="150" name="Google Shape;150;p27"/>
           <p:cNvPicPr preferRelativeResize="0"/>
           <p:nvPr/>
         </p:nvPicPr>
@@ -10322,8 +11094,8 @@
         </p:blipFill>
         <p:spPr>
           <a:xfrm>
-            <a:off x="152400" y="1170125"/>
-            <a:ext cx="4309625" cy="2935699"/>
+            <a:off x="1752600" y="987175"/>
+            <a:ext cx="4663876" cy="3387550"/>
           </a:xfrm>
           <a:prstGeom prst="rect">
             <a:avLst/>
@@ -10334,24 +11106,16 @@
           </a:ln>
         </p:spPr>
       </p:pic>
-      <p:pic>
-        <p:nvPicPr>
-          <p:cNvPr id="152" name="Google Shape;152;p27"/>
-          <p:cNvPicPr preferRelativeResize="0"/>
+      <p:sp>
+        <p:nvSpPr>
+          <p:cNvPr id="151" name="Google Shape;151;p27"/>
+          <p:cNvSpPr txBox="1"/>
           <p:nvPr/>
-        </p:nvPicPr>
-        <p:blipFill>
-          <a:blip r:embed="rId4">
-            <a:alphaModFix/>
-          </a:blip>
-          <a:stretch>
-            <a:fillRect/>
-          </a:stretch>
-        </p:blipFill>
-        <p:spPr>
-          <a:xfrm>
-            <a:off x="4995425" y="1551125"/>
-            <a:ext cx="3220300" cy="2279624"/>
+        </p:nvSpPr>
+        <p:spPr>
+          <a:xfrm>
+            <a:off x="1230825" y="4479800"/>
+            <a:ext cx="3176100" cy="234300"/>
           </a:xfrm>
           <a:prstGeom prst="rect">
             <a:avLst/>
@@ -10361,7 +11125,48 @@
             <a:noFill/>
           </a:ln>
         </p:spPr>
-      </p:pic>
+        <p:txBody>
+          <a:bodyPr anchorCtr="0" anchor="t" bIns="91425" lIns="91425" spcFirstLastPara="1" rIns="91425" wrap="square" tIns="91425">
+            <a:noAutofit/>
+          </a:bodyPr>
+          <a:lstStyle/>
+          <a:p>
+            <a:pPr indent="0" lvl="0" marL="0" rtl="0" algn="l">
+              <a:spcBef>
+                <a:spcPts val="0"/>
+              </a:spcBef>
+              <a:spcAft>
+                <a:spcPts val="0"/>
+              </a:spcAft>
+              <a:buNone/>
+            </a:pPr>
+            <a:r>
+              <a:rPr lang="en">
+                <a:latin typeface="Lato"/>
+                <a:ea typeface="Lato"/>
+                <a:cs typeface="Lato"/>
+                <a:sym typeface="Lato"/>
+              </a:rPr>
+              <a:t>A</a:t>
+            </a:r>
+            <a:r>
+              <a:rPr lang="en" sz="1200">
+                <a:latin typeface="Lato"/>
+                <a:ea typeface="Lato"/>
+                <a:cs typeface="Lato"/>
+                <a:sym typeface="Lato"/>
+              </a:rPr>
+              <a:t>dapted from Manning CS224n slides</a:t>
+            </a:r>
+            <a:endParaRPr sz="1200">
+              <a:latin typeface="Lato"/>
+              <a:ea typeface="Lato"/>
+              <a:cs typeface="Lato"/>
+              <a:sym typeface="Lato"/>
+            </a:endParaRPr>
+          </a:p>
+        </p:txBody>
+      </p:sp>
     </p:spTree>
   </p:cSld>
   <p:clrMapOvr>
@@ -10375,7 +11180,7 @@
   <p:cSld>
     <p:spTree>
       <p:nvGrpSpPr>
-        <p:cNvPr id="156" name="Shape 156"/>
+        <p:cNvPr id="155" name="Shape 155"/>
         <p:cNvGrpSpPr/>
         <p:nvPr/>
       </p:nvGrpSpPr>
@@ -10389,7 +11194,7 @@
       </p:grpSpPr>
       <p:sp>
         <p:nvSpPr>
-          <p:cNvPr id="157" name="Google Shape;157;p28"/>
+          <p:cNvPr id="156" name="Google Shape;156;p28"/>
           <p:cNvSpPr txBox="1"/>
           <p:nvPr>
             <p:ph type="title"/>
@@ -10397,16 +11202,16 @@
         </p:nvSpPr>
         <p:spPr>
           <a:xfrm>
-            <a:off x="311700" y="445025"/>
-            <a:ext cx="8520600" cy="572700"/>
+            <a:off x="457200" y="205978"/>
+            <a:ext cx="8229600" cy="857400"/>
           </a:xfrm>
           <a:prstGeom prst="rect">
             <a:avLst/>
           </a:prstGeom>
         </p:spPr>
         <p:txBody>
-          <a:bodyPr anchorCtr="0" anchor="t" bIns="91425" lIns="91425" spcFirstLastPara="1" rIns="91425" wrap="square" tIns="91425">
-            <a:normAutofit fontScale="90000"/>
+          <a:bodyPr anchorCtr="0" anchor="ctr" bIns="45700" lIns="91425" spcFirstLastPara="1" rIns="91425" wrap="square" tIns="45700">
+            <a:normAutofit/>
           </a:bodyPr>
           <a:lstStyle/>
           <a:p>
@@ -10421,43 +11226,80 @@
             </a:pPr>
             <a:r>
               <a:rPr lang="en"/>
-              <a:t>Classification method - Supervised approach</a:t>
+              <a:t>Arranging items along dimensions</a:t>
             </a:r>
             <a:endParaRPr/>
+          </a:p>
+        </p:txBody>
+      </p:sp>
+      <p:sp>
+        <p:nvSpPr>
+          <p:cNvPr id="157" name="Google Shape;157;p28"/>
+          <p:cNvSpPr txBox="1"/>
+          <p:nvPr/>
+        </p:nvSpPr>
+        <p:spPr>
+          <a:xfrm>
+            <a:off x="1230825" y="4479800"/>
+            <a:ext cx="3176100" cy="234300"/>
+          </a:xfrm>
+          <a:prstGeom prst="rect">
+            <a:avLst/>
+          </a:prstGeom>
+          <a:noFill/>
+          <a:ln>
+            <a:noFill/>
+          </a:ln>
+        </p:spPr>
+        <p:txBody>
+          <a:bodyPr anchorCtr="0" anchor="t" bIns="91425" lIns="91425" spcFirstLastPara="1" rIns="91425" wrap="square" tIns="91425">
+            <a:noAutofit/>
+          </a:bodyPr>
+          <a:lstStyle/>
+          <a:p>
+            <a:pPr indent="0" lvl="0" marL="0" rtl="0" algn="l">
+              <a:spcBef>
+                <a:spcPts val="0"/>
+              </a:spcBef>
+              <a:spcAft>
+                <a:spcPts val="0"/>
+              </a:spcAft>
+              <a:buNone/>
+            </a:pPr>
+            <a:r>
+              <a:rPr lang="en" sz="800" u="sng">
+                <a:solidFill>
+                  <a:schemeClr val="hlink"/>
+                </a:solidFill>
+                <a:latin typeface="Lato"/>
+                <a:ea typeface="Lato"/>
+                <a:cs typeface="Lato"/>
+                <a:sym typeface="Lato"/>
+                <a:hlinkClick r:id="rId3"/>
+              </a:rPr>
+              <a:t>https://developers.google.com</a:t>
+            </a:r>
+            <a:r>
+              <a:rPr lang="en" sz="800">
+                <a:latin typeface="Lato"/>
+                <a:ea typeface="Lato"/>
+                <a:cs typeface="Lato"/>
+                <a:sym typeface="Lato"/>
+              </a:rPr>
+              <a:t> </a:t>
+            </a:r>
+            <a:endParaRPr sz="600">
+              <a:latin typeface="Lato"/>
+              <a:ea typeface="Lato"/>
+              <a:cs typeface="Lato"/>
+              <a:sym typeface="Lato"/>
+            </a:endParaRPr>
           </a:p>
         </p:txBody>
       </p:sp>
       <p:pic>
         <p:nvPicPr>
           <p:cNvPr id="158" name="Google Shape;158;p28"/>
-          <p:cNvPicPr preferRelativeResize="0"/>
-          <p:nvPr/>
-        </p:nvPicPr>
-        <p:blipFill>
-          <a:blip r:embed="rId3">
-            <a:alphaModFix/>
-          </a:blip>
-          <a:stretch>
-            <a:fillRect/>
-          </a:stretch>
-        </p:blipFill>
-        <p:spPr>
-          <a:xfrm>
-            <a:off x="4995425" y="1551125"/>
-            <a:ext cx="3220300" cy="2279624"/>
-          </a:xfrm>
-          <a:prstGeom prst="rect">
-            <a:avLst/>
-          </a:prstGeom>
-          <a:noFill/>
-          <a:ln>
-            <a:noFill/>
-          </a:ln>
-        </p:spPr>
-      </p:pic>
-      <p:pic>
-        <p:nvPicPr>
-          <p:cNvPr id="159" name="Google Shape;159;p28"/>
           <p:cNvPicPr preferRelativeResize="0"/>
           <p:nvPr/>
         </p:nvPicPr>
@@ -10471,8 +11313,8 @@
         </p:blipFill>
         <p:spPr>
           <a:xfrm>
-            <a:off x="381000" y="1551125"/>
-            <a:ext cx="4462350" cy="2623650"/>
+            <a:off x="1371600" y="1444376"/>
+            <a:ext cx="6583124" cy="2229050"/>
           </a:xfrm>
           <a:prstGeom prst="rect">
             <a:avLst/>
@@ -10496,7 +11338,7 @@
   <p:cSld>
     <p:spTree>
       <p:nvGrpSpPr>
-        <p:cNvPr id="163" name="Shape 163"/>
+        <p:cNvPr id="162" name="Shape 162"/>
         <p:cNvGrpSpPr/>
         <p:nvPr/>
       </p:nvGrpSpPr>
@@ -10510,7 +11352,7 @@
       </p:grpSpPr>
       <p:sp>
         <p:nvSpPr>
-          <p:cNvPr id="164" name="Google Shape;164;p29"/>
+          <p:cNvPr id="163" name="Google Shape;163;p29"/>
           <p:cNvSpPr txBox="1"/>
           <p:nvPr>
             <p:ph type="title"/>
@@ -10518,16 +11360,16 @@
         </p:nvSpPr>
         <p:spPr>
           <a:xfrm>
-            <a:off x="311700" y="445025"/>
-            <a:ext cx="8520600" cy="572700"/>
+            <a:off x="457200" y="205978"/>
+            <a:ext cx="8229600" cy="857400"/>
           </a:xfrm>
           <a:prstGeom prst="rect">
             <a:avLst/>
           </a:prstGeom>
         </p:spPr>
         <p:txBody>
-          <a:bodyPr anchorCtr="0" anchor="t" bIns="91425" lIns="91425" spcFirstLastPara="1" rIns="91425" wrap="square" tIns="91425">
-            <a:normAutofit fontScale="90000"/>
+          <a:bodyPr anchorCtr="0" anchor="ctr" bIns="45700" lIns="91425" spcFirstLastPara="1" rIns="91425" wrap="square" tIns="45700">
+            <a:normAutofit/>
           </a:bodyPr>
           <a:lstStyle/>
           <a:p>
@@ -10542,43 +11384,80 @@
             </a:pPr>
             <a:r>
               <a:rPr lang="en"/>
-              <a:t>Classification method - Supervised approach</a:t>
+              <a:t>Arranging items along dimensions</a:t>
             </a:r>
             <a:endParaRPr/>
+          </a:p>
+        </p:txBody>
+      </p:sp>
+      <p:sp>
+        <p:nvSpPr>
+          <p:cNvPr id="164" name="Google Shape;164;p29"/>
+          <p:cNvSpPr txBox="1"/>
+          <p:nvPr/>
+        </p:nvSpPr>
+        <p:spPr>
+          <a:xfrm>
+            <a:off x="1230825" y="4479800"/>
+            <a:ext cx="3176100" cy="234300"/>
+          </a:xfrm>
+          <a:prstGeom prst="rect">
+            <a:avLst/>
+          </a:prstGeom>
+          <a:noFill/>
+          <a:ln>
+            <a:noFill/>
+          </a:ln>
+        </p:spPr>
+        <p:txBody>
+          <a:bodyPr anchorCtr="0" anchor="t" bIns="91425" lIns="91425" spcFirstLastPara="1" rIns="91425" wrap="square" tIns="91425">
+            <a:noAutofit/>
+          </a:bodyPr>
+          <a:lstStyle/>
+          <a:p>
+            <a:pPr indent="0" lvl="0" marL="0" rtl="0" algn="l">
+              <a:spcBef>
+                <a:spcPts val="0"/>
+              </a:spcBef>
+              <a:spcAft>
+                <a:spcPts val="0"/>
+              </a:spcAft>
+              <a:buNone/>
+            </a:pPr>
+            <a:r>
+              <a:rPr lang="en" sz="800" u="sng">
+                <a:solidFill>
+                  <a:schemeClr val="hlink"/>
+                </a:solidFill>
+                <a:latin typeface="Lato"/>
+                <a:ea typeface="Lato"/>
+                <a:cs typeface="Lato"/>
+                <a:sym typeface="Lato"/>
+                <a:hlinkClick r:id="rId3"/>
+              </a:rPr>
+              <a:t>https://developers.google.com</a:t>
+            </a:r>
+            <a:r>
+              <a:rPr lang="en" sz="800">
+                <a:latin typeface="Lato"/>
+                <a:ea typeface="Lato"/>
+                <a:cs typeface="Lato"/>
+                <a:sym typeface="Lato"/>
+              </a:rPr>
+              <a:t> </a:t>
+            </a:r>
+            <a:endParaRPr sz="600">
+              <a:latin typeface="Lato"/>
+              <a:ea typeface="Lato"/>
+              <a:cs typeface="Lato"/>
+              <a:sym typeface="Lato"/>
+            </a:endParaRPr>
           </a:p>
         </p:txBody>
       </p:sp>
       <p:pic>
         <p:nvPicPr>
           <p:cNvPr id="165" name="Google Shape;165;p29"/>
-          <p:cNvPicPr preferRelativeResize="0"/>
-          <p:nvPr/>
-        </p:nvPicPr>
-        <p:blipFill>
-          <a:blip r:embed="rId3">
-            <a:alphaModFix/>
-          </a:blip>
-          <a:stretch>
-            <a:fillRect/>
-          </a:stretch>
-        </p:blipFill>
-        <p:spPr>
-          <a:xfrm>
-            <a:off x="4995425" y="1551125"/>
-            <a:ext cx="3220300" cy="2279624"/>
-          </a:xfrm>
-          <a:prstGeom prst="rect">
-            <a:avLst/>
-          </a:prstGeom>
-          <a:noFill/>
-          <a:ln>
-            <a:noFill/>
-          </a:ln>
-        </p:spPr>
-      </p:pic>
-      <p:pic>
-        <p:nvPicPr>
-          <p:cNvPr id="166" name="Google Shape;166;p29"/>
           <p:cNvPicPr preferRelativeResize="0"/>
           <p:nvPr/>
         </p:nvPicPr>
@@ -10592,8 +11471,8 @@
         </p:blipFill>
         <p:spPr>
           <a:xfrm>
-            <a:off x="228600" y="1779725"/>
-            <a:ext cx="4690625" cy="2317656"/>
+            <a:off x="444525" y="834778"/>
+            <a:ext cx="4432275" cy="3675160"/>
           </a:xfrm>
           <a:prstGeom prst="rect">
             <a:avLst/>
@@ -10604,6 +11483,191 @@
           </a:ln>
         </p:spPr>
       </p:pic>
+      <p:sp>
+        <p:nvSpPr>
+          <p:cNvPr id="166" name="Google Shape;166;p29"/>
+          <p:cNvSpPr txBox="1"/>
+          <p:nvPr/>
+        </p:nvSpPr>
+        <p:spPr>
+          <a:xfrm>
+            <a:off x="5249600" y="1030750"/>
+            <a:ext cx="3176100" cy="3201600"/>
+          </a:xfrm>
+          <a:prstGeom prst="rect">
+            <a:avLst/>
+          </a:prstGeom>
+          <a:noFill/>
+          <a:ln>
+            <a:noFill/>
+          </a:ln>
+        </p:spPr>
+        <p:txBody>
+          <a:bodyPr anchorCtr="0" anchor="t" bIns="91425" lIns="91425" spcFirstLastPara="1" rIns="91425" wrap="square" tIns="91425">
+            <a:spAutoFit/>
+          </a:bodyPr>
+          <a:lstStyle/>
+          <a:p>
+            <a:pPr indent="-317500" lvl="0" marL="457200" rtl="0" algn="l">
+              <a:spcBef>
+                <a:spcPts val="0"/>
+              </a:spcBef>
+              <a:spcAft>
+                <a:spcPts val="0"/>
+              </a:spcAft>
+              <a:buSzPts val="1400"/>
+              <a:buChar char="●"/>
+            </a:pPr>
+            <a:r>
+              <a:rPr lang="en" sz="1100">
+                <a:solidFill>
+                  <a:schemeClr val="dk1"/>
+                </a:solidFill>
+              </a:rPr>
+              <a:t>These movies are mapped into an </a:t>
+            </a:r>
+            <a:r>
+              <a:rPr b="1" lang="en" sz="1100">
+                <a:solidFill>
+                  <a:schemeClr val="dk1"/>
+                </a:solidFill>
+              </a:rPr>
+              <a:t>embedding space</a:t>
+            </a:r>
+            <a:r>
+              <a:rPr lang="en" sz="1100">
+                <a:solidFill>
+                  <a:schemeClr val="dk1"/>
+                </a:solidFill>
+              </a:rPr>
+              <a:t>, where each word is described by a two-dimensional set of coordinates.</a:t>
+            </a:r>
+            <a:endParaRPr sz="1100">
+              <a:solidFill>
+                <a:schemeClr val="dk1"/>
+              </a:solidFill>
+            </a:endParaRPr>
+          </a:p>
+          <a:p>
+            <a:pPr indent="-317500" lvl="1" marL="914400" rtl="0" algn="l">
+              <a:spcBef>
+                <a:spcPts val="0"/>
+              </a:spcBef>
+              <a:spcAft>
+                <a:spcPts val="0"/>
+              </a:spcAft>
+              <a:buSzPts val="1400"/>
+              <a:buChar char="○"/>
+            </a:pPr>
+            <a:r>
+              <a:rPr lang="en" sz="900">
+                <a:solidFill>
+                  <a:schemeClr val="dk1"/>
+                </a:solidFill>
+              </a:rPr>
+              <a:t>"Shrek" maps to (-1.0, 0.95) and "Bleu" maps to (0.65, -0.2).</a:t>
+            </a:r>
+            <a:r>
+              <a:rPr lang="en" sz="1100">
+                <a:solidFill>
+                  <a:schemeClr val="dk1"/>
+                </a:solidFill>
+              </a:rPr>
+              <a:t> </a:t>
+            </a:r>
+            <a:endParaRPr sz="1100">
+              <a:solidFill>
+                <a:schemeClr val="dk1"/>
+              </a:solidFill>
+            </a:endParaRPr>
+          </a:p>
+          <a:p>
+            <a:pPr indent="-317500" lvl="0" marL="457200" rtl="0" algn="l">
+              <a:spcBef>
+                <a:spcPts val="0"/>
+              </a:spcBef>
+              <a:spcAft>
+                <a:spcPts val="0"/>
+              </a:spcAft>
+              <a:buSzPts val="1400"/>
+              <a:buChar char="●"/>
+            </a:pPr>
+            <a:r>
+              <a:rPr lang="en" sz="1100">
+                <a:solidFill>
+                  <a:schemeClr val="dk1"/>
+                </a:solidFill>
+              </a:rPr>
+              <a:t>In general, when learning a </a:t>
+            </a:r>
+            <a:r>
+              <a:rPr i="1" lang="en" sz="1100">
+                <a:solidFill>
+                  <a:schemeClr val="dk1"/>
+                </a:solidFill>
+              </a:rPr>
+              <a:t>d</a:t>
+            </a:r>
+            <a:r>
+              <a:rPr lang="en" sz="1100">
+                <a:solidFill>
+                  <a:schemeClr val="dk1"/>
+                </a:solidFill>
+              </a:rPr>
+              <a:t>-dimensional embedding, each movie is represented by </a:t>
+            </a:r>
+            <a:r>
+              <a:rPr i="1" lang="en" sz="1100">
+                <a:solidFill>
+                  <a:schemeClr val="dk1"/>
+                </a:solidFill>
+              </a:rPr>
+              <a:t>d</a:t>
+            </a:r>
+            <a:r>
+              <a:rPr lang="en" sz="1100">
+                <a:solidFill>
+                  <a:schemeClr val="dk1"/>
+                </a:solidFill>
+              </a:rPr>
+              <a:t> real-valued numbers, each one giving the coordinate in one dimension.</a:t>
+            </a:r>
+            <a:endParaRPr sz="1100">
+              <a:solidFill>
+                <a:schemeClr val="dk1"/>
+              </a:solidFill>
+            </a:endParaRPr>
+          </a:p>
+          <a:p>
+            <a:pPr indent="-298450" lvl="0" marL="457200" rtl="0" algn="l">
+              <a:spcBef>
+                <a:spcPts val="0"/>
+              </a:spcBef>
+              <a:spcAft>
+                <a:spcPts val="0"/>
+              </a:spcAft>
+              <a:buClr>
+                <a:schemeClr val="dk1"/>
+              </a:buClr>
+              <a:buSzPts val="1100"/>
+              <a:buChar char="●"/>
+            </a:pPr>
+            <a:r>
+              <a:rPr lang="en" sz="1100">
+                <a:solidFill>
+                  <a:schemeClr val="dk1"/>
+                </a:solidFill>
+              </a:rPr>
+              <a:t>Latent dimensions: When learning embeddings, the individual dimensions are not learned with names. Sometimes, we can look at the embeddings and assign semantic meanings to the dimensions, and other times we cannot</a:t>
+            </a:r>
+            <a:endParaRPr sz="1100">
+              <a:solidFill>
+                <a:schemeClr val="dk1"/>
+              </a:solidFill>
+            </a:endParaRPr>
+          </a:p>
+        </p:txBody>
+      </p:sp>
     </p:spTree>
   </p:cSld>
   <p:clrMapOvr>
@@ -10639,16 +11703,16 @@
         </p:nvSpPr>
         <p:spPr>
           <a:xfrm>
-            <a:off x="311700" y="445025"/>
-            <a:ext cx="8520600" cy="572700"/>
+            <a:off x="457200" y="205978"/>
+            <a:ext cx="8229600" cy="857400"/>
           </a:xfrm>
           <a:prstGeom prst="rect">
             <a:avLst/>
           </a:prstGeom>
         </p:spPr>
         <p:txBody>
-          <a:bodyPr anchorCtr="0" anchor="t" bIns="91425" lIns="91425" spcFirstLastPara="1" rIns="91425" wrap="square" tIns="91425">
-            <a:normAutofit fontScale="90000"/>
+          <a:bodyPr anchorCtr="0" anchor="ctr" bIns="45700" lIns="91425" spcFirstLastPara="1" rIns="91425" wrap="square" tIns="45700">
+            <a:normAutofit/>
           </a:bodyPr>
           <a:lstStyle/>
           <a:p>
@@ -10663,34 +11727,22 @@
             </a:pPr>
             <a:r>
               <a:rPr lang="en"/>
-              <a:t>Classification </a:t>
-            </a:r>
-            <a:r>
-              <a:rPr lang="en"/>
-              <a:t>- Supervised approach</a:t>
+              <a:t>Embedding words in lower dimensional spaces</a:t>
             </a:r>
             <a:endParaRPr/>
           </a:p>
         </p:txBody>
       </p:sp>
-      <p:pic>
-        <p:nvPicPr>
+      <p:sp>
+        <p:nvSpPr>
           <p:cNvPr id="172" name="Google Shape;172;p30"/>
-          <p:cNvPicPr preferRelativeResize="0"/>
+          <p:cNvSpPr txBox="1"/>
           <p:nvPr/>
-        </p:nvPicPr>
-        <p:blipFill>
-          <a:blip r:embed="rId3">
-            <a:alphaModFix/>
-          </a:blip>
-          <a:stretch>
-            <a:fillRect/>
-          </a:stretch>
-        </p:blipFill>
-        <p:spPr>
-          <a:xfrm>
-            <a:off x="414550" y="1398725"/>
-            <a:ext cx="3449950" cy="2472274"/>
+        </p:nvSpPr>
+        <p:spPr>
+          <a:xfrm>
+            <a:off x="1230825" y="4479800"/>
+            <a:ext cx="3176100" cy="234300"/>
           </a:xfrm>
           <a:prstGeom prst="rect">
             <a:avLst/>
@@ -10700,10 +11752,248 @@
             <a:noFill/>
           </a:ln>
         </p:spPr>
-      </p:pic>
+        <p:txBody>
+          <a:bodyPr anchorCtr="0" anchor="t" bIns="91425" lIns="91425" spcFirstLastPara="1" rIns="91425" wrap="square" tIns="91425">
+            <a:noAutofit/>
+          </a:bodyPr>
+          <a:lstStyle/>
+          <a:p>
+            <a:pPr indent="0" lvl="0" marL="0" rtl="0" algn="l">
+              <a:spcBef>
+                <a:spcPts val="0"/>
+              </a:spcBef>
+              <a:spcAft>
+                <a:spcPts val="0"/>
+              </a:spcAft>
+              <a:buNone/>
+            </a:pPr>
+            <a:r>
+              <a:rPr lang="en" sz="800" u="sng">
+                <a:solidFill>
+                  <a:schemeClr val="hlink"/>
+                </a:solidFill>
+                <a:latin typeface="Lato"/>
+                <a:ea typeface="Lato"/>
+                <a:cs typeface="Lato"/>
+                <a:sym typeface="Lato"/>
+                <a:hlinkClick r:id="rId3"/>
+              </a:rPr>
+              <a:t>https://www.tensorflow.org/tutorials/text/word2vec</a:t>
+            </a:r>
+            <a:r>
+              <a:rPr lang="en" sz="800">
+                <a:latin typeface="Lato"/>
+                <a:ea typeface="Lato"/>
+                <a:cs typeface="Lato"/>
+                <a:sym typeface="Lato"/>
+              </a:rPr>
+              <a:t> </a:t>
+            </a:r>
+            <a:endParaRPr sz="600">
+              <a:latin typeface="Lato"/>
+              <a:ea typeface="Lato"/>
+              <a:cs typeface="Lato"/>
+              <a:sym typeface="Lato"/>
+            </a:endParaRPr>
+          </a:p>
+        </p:txBody>
+      </p:sp>
+      <p:sp>
+        <p:nvSpPr>
+          <p:cNvPr id="173" name="Google Shape;173;p30"/>
+          <p:cNvSpPr txBox="1"/>
+          <p:nvPr/>
+        </p:nvSpPr>
+        <p:spPr>
+          <a:xfrm>
+            <a:off x="5249600" y="1030750"/>
+            <a:ext cx="3176100" cy="2940000"/>
+          </a:xfrm>
+          <a:prstGeom prst="rect">
+            <a:avLst/>
+          </a:prstGeom>
+          <a:noFill/>
+          <a:ln>
+            <a:noFill/>
+          </a:ln>
+        </p:spPr>
+        <p:txBody>
+          <a:bodyPr anchorCtr="0" anchor="t" bIns="91425" lIns="91425" spcFirstLastPara="1" rIns="91425" wrap="square" tIns="91425">
+            <a:spAutoFit/>
+          </a:bodyPr>
+          <a:lstStyle/>
+          <a:p>
+            <a:pPr indent="0" lvl="0" marL="0" rtl="0" algn="l">
+              <a:spcBef>
+                <a:spcPts val="0"/>
+              </a:spcBef>
+              <a:spcAft>
+                <a:spcPts val="0"/>
+              </a:spcAft>
+              <a:buNone/>
+            </a:pPr>
+            <a:r>
+              <a:t/>
+            </a:r>
+            <a:endParaRPr sz="1100">
+              <a:solidFill>
+                <a:schemeClr val="dk1"/>
+              </a:solidFill>
+            </a:endParaRPr>
+          </a:p>
+          <a:p>
+            <a:pPr indent="-298450" lvl="0" marL="457200" rtl="0" algn="l">
+              <a:spcBef>
+                <a:spcPts val="0"/>
+              </a:spcBef>
+              <a:spcAft>
+                <a:spcPts val="0"/>
+              </a:spcAft>
+              <a:buClr>
+                <a:schemeClr val="dk1"/>
+              </a:buClr>
+              <a:buSzPts val="1100"/>
+              <a:buChar char="●"/>
+            </a:pPr>
+            <a:r>
+              <a:rPr lang="en" sz="1100">
+                <a:solidFill>
+                  <a:schemeClr val="dk1"/>
+                </a:solidFill>
+              </a:rPr>
+              <a:t>Lack of </a:t>
+            </a:r>
+            <a:r>
+              <a:rPr lang="en" sz="1100">
+                <a:solidFill>
+                  <a:schemeClr val="dk1"/>
+                </a:solidFill>
+              </a:rPr>
+              <a:t>meaningful relations between one-hot vectors</a:t>
+            </a:r>
+            <a:endParaRPr sz="1100">
+              <a:solidFill>
+                <a:schemeClr val="dk1"/>
+              </a:solidFill>
+            </a:endParaRPr>
+          </a:p>
+          <a:p>
+            <a:pPr indent="-298450" lvl="0" marL="457200" rtl="0" algn="l">
+              <a:spcBef>
+                <a:spcPts val="0"/>
+              </a:spcBef>
+              <a:spcAft>
+                <a:spcPts val="0"/>
+              </a:spcAft>
+              <a:buClr>
+                <a:schemeClr val="dk1"/>
+              </a:buClr>
+              <a:buSzPts val="1100"/>
+              <a:buChar char="●"/>
+            </a:pPr>
+            <a:r>
+              <a:rPr lang="en" sz="1100">
+                <a:solidFill>
+                  <a:schemeClr val="dk1"/>
+                </a:solidFill>
+              </a:rPr>
+              <a:t>The distributional hypothesis states that words which often have the same neighboring words tend to be semantically similar.</a:t>
+            </a:r>
+            <a:endParaRPr sz="1100">
+              <a:solidFill>
+                <a:schemeClr val="dk1"/>
+              </a:solidFill>
+            </a:endParaRPr>
+          </a:p>
+          <a:p>
+            <a:pPr indent="-317500" lvl="0" marL="457200" rtl="0" algn="l">
+              <a:spcBef>
+                <a:spcPts val="0"/>
+              </a:spcBef>
+              <a:spcAft>
+                <a:spcPts val="0"/>
+              </a:spcAft>
+              <a:buSzPts val="1400"/>
+              <a:buChar char="●"/>
+            </a:pPr>
+            <a:r>
+              <a:rPr lang="en" sz="1100">
+                <a:solidFill>
+                  <a:schemeClr val="dk1"/>
+                </a:solidFill>
+              </a:rPr>
+              <a:t>Word2Vec exploits contextual information like this by training a neural net to distinguish actually co-occurring groups of words from randomly grouped words.</a:t>
+            </a:r>
+            <a:r>
+              <a:rPr lang="en" sz="1100">
+                <a:solidFill>
+                  <a:schemeClr val="dk1"/>
+                </a:solidFill>
+              </a:rPr>
+              <a:t> </a:t>
+            </a:r>
+            <a:endParaRPr sz="1100">
+              <a:solidFill>
+                <a:schemeClr val="dk1"/>
+              </a:solidFill>
+            </a:endParaRPr>
+          </a:p>
+          <a:p>
+            <a:pPr indent="-298450" lvl="0" marL="457200" rtl="0" algn="l">
+              <a:spcBef>
+                <a:spcPts val="0"/>
+              </a:spcBef>
+              <a:spcAft>
+                <a:spcPts val="0"/>
+              </a:spcAft>
+              <a:buClr>
+                <a:schemeClr val="dk1"/>
+              </a:buClr>
+              <a:buSzPts val="1100"/>
+              <a:buChar char="●"/>
+            </a:pPr>
+            <a:r>
+              <a:rPr lang="en" sz="1100">
+                <a:solidFill>
+                  <a:schemeClr val="dk1"/>
+                </a:solidFill>
+              </a:rPr>
+              <a:t>Position (distance and direction) in the vector space can encode semantics in a good embedding.</a:t>
+            </a:r>
+            <a:endParaRPr sz="1100">
+              <a:solidFill>
+                <a:schemeClr val="dk1"/>
+              </a:solidFill>
+            </a:endParaRPr>
+          </a:p>
+          <a:p>
+            <a:pPr indent="-298450" lvl="0" marL="457200" rtl="0" algn="l">
+              <a:spcBef>
+                <a:spcPts val="0"/>
+              </a:spcBef>
+              <a:spcAft>
+                <a:spcPts val="0"/>
+              </a:spcAft>
+              <a:buClr>
+                <a:schemeClr val="dk1"/>
+              </a:buClr>
+              <a:buSzPts val="1100"/>
+              <a:buChar char="●"/>
+            </a:pPr>
+            <a:r>
+              <a:t/>
+            </a:r>
+            <a:endParaRPr sz="1100">
+              <a:solidFill>
+                <a:schemeClr val="dk1"/>
+              </a:solidFill>
+            </a:endParaRPr>
+          </a:p>
+        </p:txBody>
+      </p:sp>
       <p:pic>
         <p:nvPicPr>
-          <p:cNvPr id="173" name="Google Shape;173;p30"/>
+          <p:cNvPr id="174" name="Google Shape;174;p30"/>
           <p:cNvPicPr preferRelativeResize="0"/>
           <p:nvPr/>
         </p:nvPicPr>
@@ -10717,8 +12007,8 @@
         </p:blipFill>
         <p:spPr>
           <a:xfrm>
-            <a:off x="4093100" y="1322525"/>
-            <a:ext cx="4480996" cy="2700874"/>
+            <a:off x="152400" y="1368178"/>
+            <a:ext cx="4944800" cy="1905336"/>
           </a:xfrm>
           <a:prstGeom prst="rect">
             <a:avLst/>
@@ -10742,7 +12032,7 @@
   <p:cSld>
     <p:spTree>
       <p:nvGrpSpPr>
-        <p:cNvPr id="177" name="Shape 177"/>
+        <p:cNvPr id="178" name="Shape 178"/>
         <p:cNvGrpSpPr/>
         <p:nvPr/>
       </p:nvGrpSpPr>
@@ -10756,7 +12046,7 @@
       </p:grpSpPr>
       <p:sp>
         <p:nvSpPr>
-          <p:cNvPr id="178" name="Google Shape;178;p31"/>
+          <p:cNvPr id="179" name="Google Shape;179;p31"/>
           <p:cNvSpPr txBox="1"/>
           <p:nvPr>
             <p:ph type="title"/>
@@ -10788,7 +12078,7 @@
             </a:pPr>
             <a:r>
               <a:rPr lang="en"/>
-              <a:t>Classification - Supervised approach</a:t>
+              <a:t>Classification method - Supervised approach</a:t>
             </a:r>
             <a:endParaRPr/>
           </a:p>
@@ -10796,7 +12086,7 @@
       </p:sp>
       <p:pic>
         <p:nvPicPr>
-          <p:cNvPr id="179" name="Google Shape;179;p31"/>
+          <p:cNvPr id="180" name="Google Shape;180;p31"/>
           <p:cNvPicPr preferRelativeResize="0"/>
           <p:nvPr/>
         </p:nvPicPr>
@@ -10810,8 +12100,8 @@
         </p:blipFill>
         <p:spPr>
           <a:xfrm>
-            <a:off x="1219200" y="1246325"/>
-            <a:ext cx="5983950" cy="2874175"/>
+            <a:off x="228600" y="1627325"/>
+            <a:ext cx="4056075" cy="2287600"/>
           </a:xfrm>
           <a:prstGeom prst="rect">
             <a:avLst/>
@@ -10822,6 +12112,76 @@
           </a:ln>
         </p:spPr>
       </p:pic>
+      <p:pic>
+        <p:nvPicPr>
+          <p:cNvPr id="181" name="Google Shape;181;p31"/>
+          <p:cNvPicPr preferRelativeResize="0"/>
+          <p:nvPr/>
+        </p:nvPicPr>
+        <p:blipFill>
+          <a:blip r:embed="rId4">
+            <a:alphaModFix/>
+          </a:blip>
+          <a:stretch>
+            <a:fillRect/>
+          </a:stretch>
+        </p:blipFill>
+        <p:spPr>
+          <a:xfrm>
+            <a:off x="4589475" y="1855925"/>
+            <a:ext cx="3894275" cy="1809000"/>
+          </a:xfrm>
+          <a:prstGeom prst="rect">
+            <a:avLst/>
+          </a:prstGeom>
+          <a:noFill/>
+          <a:ln>
+            <a:noFill/>
+          </a:ln>
+        </p:spPr>
+      </p:pic>
+      <p:sp>
+        <p:nvSpPr>
+          <p:cNvPr id="182" name="Google Shape;182;p31"/>
+          <p:cNvSpPr txBox="1"/>
+          <p:nvPr/>
+        </p:nvSpPr>
+        <p:spPr>
+          <a:xfrm>
+            <a:off x="863375" y="4098475"/>
+            <a:ext cx="5492400" cy="400200"/>
+          </a:xfrm>
+          <a:prstGeom prst="rect">
+            <a:avLst/>
+          </a:prstGeom>
+          <a:noFill/>
+          <a:ln>
+            <a:noFill/>
+          </a:ln>
+        </p:spPr>
+        <p:txBody>
+          <a:bodyPr anchorCtr="0" anchor="t" bIns="91425" lIns="91425" spcFirstLastPara="1" rIns="91425" wrap="square" tIns="91425">
+            <a:spAutoFit/>
+          </a:bodyPr>
+          <a:lstStyle/>
+          <a:p>
+            <a:pPr indent="0" lvl="0" marL="0" rtl="0" algn="l">
+              <a:spcBef>
+                <a:spcPts val="0"/>
+              </a:spcBef>
+              <a:spcAft>
+                <a:spcPts val="0"/>
+              </a:spcAft>
+              <a:buNone/>
+            </a:pPr>
+            <a:r>
+              <a:rPr lang="en"/>
+              <a:t>Logistic/sigmoid function to map predictions to the range of 0 and 1</a:t>
+            </a:r>
+            <a:endParaRPr/>
+          </a:p>
+        </p:txBody>
+      </p:sp>
     </p:spTree>
   </p:cSld>
   <p:clrMapOvr>
@@ -10835,7 +12195,7 @@
   <p:cSld>
     <p:spTree>
       <p:nvGrpSpPr>
-        <p:cNvPr id="183" name="Shape 183"/>
+        <p:cNvPr id="186" name="Shape 186"/>
         <p:cNvGrpSpPr/>
         <p:nvPr/>
       </p:nvGrpSpPr>
@@ -10849,7 +12209,7 @@
       </p:grpSpPr>
       <p:sp>
         <p:nvSpPr>
-          <p:cNvPr id="184" name="Google Shape;184;p32"/>
+          <p:cNvPr id="187" name="Google Shape;187;p32"/>
           <p:cNvSpPr txBox="1"/>
           <p:nvPr>
             <p:ph type="title"/>
@@ -10881,11 +12241,7 @@
             </a:pPr>
             <a:r>
               <a:rPr lang="en"/>
-              <a:t>Learning Parameters</a:t>
-            </a:r>
-            <a:r>
-              <a:rPr lang="en"/>
-              <a:t> - Supervised approach</a:t>
+              <a:t>Classification method - Supervised approach</a:t>
             </a:r>
             <a:endParaRPr/>
           </a:p>
@@ -10893,7 +12249,7 @@
       </p:sp>
       <p:pic>
         <p:nvPicPr>
-          <p:cNvPr id="185" name="Google Shape;185;p32"/>
+          <p:cNvPr id="188" name="Google Shape;188;p32"/>
           <p:cNvPicPr preferRelativeResize="0"/>
           <p:nvPr/>
         </p:nvPicPr>
@@ -10907,8 +12263,8 @@
         </p:blipFill>
         <p:spPr>
           <a:xfrm>
-            <a:off x="304800" y="1093925"/>
-            <a:ext cx="3673150" cy="2749550"/>
+            <a:off x="152400" y="1170125"/>
+            <a:ext cx="4309625" cy="2935699"/>
           </a:xfrm>
           <a:prstGeom prst="rect">
             <a:avLst/>
@@ -10921,7 +12277,7 @@
       </p:pic>
       <p:pic>
         <p:nvPicPr>
-          <p:cNvPr id="186" name="Google Shape;186;p32"/>
+          <p:cNvPr id="189" name="Google Shape;189;p32"/>
           <p:cNvPicPr preferRelativeResize="0"/>
           <p:nvPr/>
         </p:nvPicPr>
@@ -10935,36 +12291,8 @@
         </p:blipFill>
         <p:spPr>
           <a:xfrm>
-            <a:off x="4435150" y="1017725"/>
-            <a:ext cx="4027450" cy="2901250"/>
-          </a:xfrm>
-          <a:prstGeom prst="rect">
-            <a:avLst/>
-          </a:prstGeom>
-          <a:noFill/>
-          <a:ln>
-            <a:noFill/>
-          </a:ln>
-        </p:spPr>
-      </p:pic>
-      <p:pic>
-        <p:nvPicPr>
-          <p:cNvPr id="187" name="Google Shape;187;p32"/>
-          <p:cNvPicPr preferRelativeResize="0"/>
-          <p:nvPr/>
-        </p:nvPicPr>
-        <p:blipFill>
-          <a:blip r:embed="rId5">
-            <a:alphaModFix/>
-          </a:blip>
-          <a:stretch>
-            <a:fillRect/>
-          </a:stretch>
-        </p:blipFill>
-        <p:spPr>
-          <a:xfrm>
-            <a:off x="2157419" y="3976694"/>
-            <a:ext cx="3983224" cy="766575"/>
+            <a:off x="4995425" y="1551125"/>
+            <a:ext cx="3220300" cy="2279624"/>
           </a:xfrm>
           <a:prstGeom prst="rect">
             <a:avLst/>
@@ -10988,7 +12316,7 @@
   <p:cSld>
     <p:spTree>
       <p:nvGrpSpPr>
-        <p:cNvPr id="191" name="Shape 191"/>
+        <p:cNvPr id="193" name="Shape 193"/>
         <p:cNvGrpSpPr/>
         <p:nvPr/>
       </p:nvGrpSpPr>
@@ -11002,7 +12330,7 @@
       </p:grpSpPr>
       <p:sp>
         <p:nvSpPr>
-          <p:cNvPr id="192" name="Google Shape;192;p33"/>
+          <p:cNvPr id="194" name="Google Shape;194;p33"/>
           <p:cNvSpPr txBox="1"/>
           <p:nvPr>
             <p:ph type="title"/>
@@ -11034,11 +12362,7 @@
             </a:pPr>
             <a:r>
               <a:rPr lang="en"/>
-              <a:t>Evaluation</a:t>
-            </a:r>
-            <a:r>
-              <a:rPr lang="en"/>
-              <a:t> - Supervised approach</a:t>
+              <a:t>Classification method - Supervised approach</a:t>
             </a:r>
             <a:endParaRPr/>
           </a:p>
@@ -11046,7 +12370,7 @@
       </p:sp>
       <p:pic>
         <p:nvPicPr>
-          <p:cNvPr id="193" name="Google Shape;193;p33"/>
+          <p:cNvPr id="195" name="Google Shape;195;p33"/>
           <p:cNvPicPr preferRelativeResize="0"/>
           <p:nvPr/>
         </p:nvPicPr>
@@ -11060,8 +12384,8 @@
         </p:blipFill>
         <p:spPr>
           <a:xfrm>
-            <a:off x="228600" y="1398725"/>
-            <a:ext cx="4167726" cy="2459975"/>
+            <a:off x="4995425" y="1551125"/>
+            <a:ext cx="3220300" cy="2279624"/>
           </a:xfrm>
           <a:prstGeom prst="rect">
             <a:avLst/>
@@ -11074,7 +12398,7 @@
       </p:pic>
       <p:pic>
         <p:nvPicPr>
-          <p:cNvPr id="194" name="Google Shape;194;p33"/>
+          <p:cNvPr id="196" name="Google Shape;196;p33"/>
           <p:cNvPicPr preferRelativeResize="0"/>
           <p:nvPr/>
         </p:nvPicPr>
@@ -11088,8 +12412,8 @@
         </p:blipFill>
         <p:spPr>
           <a:xfrm>
-            <a:off x="4472525" y="1170125"/>
-            <a:ext cx="4100026" cy="3121875"/>
+            <a:off x="381000" y="1551125"/>
+            <a:ext cx="4462350" cy="2623650"/>
           </a:xfrm>
           <a:prstGeom prst="rect">
             <a:avLst/>
@@ -11234,7 +12558,7 @@
   <p:cSld>
     <p:spTree>
       <p:nvGrpSpPr>
-        <p:cNvPr id="198" name="Shape 198"/>
+        <p:cNvPr id="200" name="Shape 200"/>
         <p:cNvGrpSpPr/>
         <p:nvPr/>
       </p:nvGrpSpPr>
@@ -11248,7 +12572,499 @@
       </p:grpSpPr>
       <p:sp>
         <p:nvSpPr>
-          <p:cNvPr id="199" name="Google Shape;199;p34"/>
+          <p:cNvPr id="201" name="Google Shape;201;p34"/>
+          <p:cNvSpPr txBox="1"/>
+          <p:nvPr>
+            <p:ph type="title"/>
+          </p:nvPr>
+        </p:nvSpPr>
+        <p:spPr>
+          <a:xfrm>
+            <a:off x="311700" y="445025"/>
+            <a:ext cx="8520600" cy="572700"/>
+          </a:xfrm>
+          <a:prstGeom prst="rect">
+            <a:avLst/>
+          </a:prstGeom>
+        </p:spPr>
+        <p:txBody>
+          <a:bodyPr anchorCtr="0" anchor="t" bIns="91425" lIns="91425" spcFirstLastPara="1" rIns="91425" wrap="square" tIns="91425">
+            <a:normAutofit fontScale="90000"/>
+          </a:bodyPr>
+          <a:lstStyle/>
+          <a:p>
+            <a:pPr indent="0" lvl="0" marL="0" rtl="0" algn="l">
+              <a:spcBef>
+                <a:spcPts val="0"/>
+              </a:spcBef>
+              <a:spcAft>
+                <a:spcPts val="0"/>
+              </a:spcAft>
+              <a:buNone/>
+            </a:pPr>
+            <a:r>
+              <a:rPr lang="en"/>
+              <a:t>Classification method - Supervised approach</a:t>
+            </a:r>
+            <a:endParaRPr/>
+          </a:p>
+        </p:txBody>
+      </p:sp>
+      <p:pic>
+        <p:nvPicPr>
+          <p:cNvPr id="202" name="Google Shape;202;p34"/>
+          <p:cNvPicPr preferRelativeResize="0"/>
+          <p:nvPr/>
+        </p:nvPicPr>
+        <p:blipFill>
+          <a:blip r:embed="rId3">
+            <a:alphaModFix/>
+          </a:blip>
+          <a:stretch>
+            <a:fillRect/>
+          </a:stretch>
+        </p:blipFill>
+        <p:spPr>
+          <a:xfrm>
+            <a:off x="4995425" y="1551125"/>
+            <a:ext cx="3220300" cy="2279624"/>
+          </a:xfrm>
+          <a:prstGeom prst="rect">
+            <a:avLst/>
+          </a:prstGeom>
+          <a:noFill/>
+          <a:ln>
+            <a:noFill/>
+          </a:ln>
+        </p:spPr>
+      </p:pic>
+      <p:pic>
+        <p:nvPicPr>
+          <p:cNvPr id="203" name="Google Shape;203;p34"/>
+          <p:cNvPicPr preferRelativeResize="0"/>
+          <p:nvPr/>
+        </p:nvPicPr>
+        <p:blipFill>
+          <a:blip r:embed="rId4">
+            <a:alphaModFix/>
+          </a:blip>
+          <a:stretch>
+            <a:fillRect/>
+          </a:stretch>
+        </p:blipFill>
+        <p:spPr>
+          <a:xfrm>
+            <a:off x="228600" y="1779725"/>
+            <a:ext cx="4690625" cy="2317656"/>
+          </a:xfrm>
+          <a:prstGeom prst="rect">
+            <a:avLst/>
+          </a:prstGeom>
+          <a:noFill/>
+          <a:ln>
+            <a:noFill/>
+          </a:ln>
+        </p:spPr>
+      </p:pic>
+    </p:spTree>
+  </p:cSld>
+  <p:clrMapOvr>
+    <a:masterClrMapping/>
+  </p:clrMapOvr>
+</p:sld>
+</file>
+
+<file path=ppt/slides/slide21.xml><?xml version="1.0" encoding="utf-8"?>
+<p:sld xmlns:a="http://schemas.openxmlformats.org/drawingml/2006/main" xmlns:r="http://schemas.openxmlformats.org/officeDocument/2006/relationships" xmlns:mc="http://schemas.openxmlformats.org/markup-compatibility/2006" xmlns:mv="urn:schemas-microsoft-com:mac:vml" xmlns:p="http://schemas.openxmlformats.org/presentationml/2006/main" xmlns:c="http://schemas.openxmlformats.org/drawingml/2006/chart" xmlns:dgm="http://schemas.openxmlformats.org/drawingml/2006/diagram" xmlns:o="urn:schemas-microsoft-com:office:office" xmlns:v="urn:schemas-microsoft-com:vml" xmlns:pvml="urn:schemas-microsoft-com:office:powerpoint" xmlns:com="http://schemas.openxmlformats.org/drawingml/2006/compatibility" xmlns:p14="http://schemas.microsoft.com/office/powerpoint/2010/main" xmlns:p15="http://schemas.microsoft.com/office/powerpoint/2012/main" xmlns:ahyp="http://schemas.microsoft.com/office/drawing/2018/hyperlinkcolor">
+  <p:cSld>
+    <p:spTree>
+      <p:nvGrpSpPr>
+        <p:cNvPr id="207" name="Shape 207"/>
+        <p:cNvGrpSpPr/>
+        <p:nvPr/>
+      </p:nvGrpSpPr>
+      <p:grpSpPr>
+        <a:xfrm>
+          <a:off x="0" y="0"/>
+          <a:ext cx="0" cy="0"/>
+          <a:chOff x="0" y="0"/>
+          <a:chExt cx="0" cy="0"/>
+        </a:xfrm>
+      </p:grpSpPr>
+      <p:sp>
+        <p:nvSpPr>
+          <p:cNvPr id="208" name="Google Shape;208;p35"/>
+          <p:cNvSpPr txBox="1"/>
+          <p:nvPr>
+            <p:ph type="title"/>
+          </p:nvPr>
+        </p:nvSpPr>
+        <p:spPr>
+          <a:xfrm>
+            <a:off x="311700" y="445025"/>
+            <a:ext cx="8520600" cy="572700"/>
+          </a:xfrm>
+          <a:prstGeom prst="rect">
+            <a:avLst/>
+          </a:prstGeom>
+        </p:spPr>
+        <p:txBody>
+          <a:bodyPr anchorCtr="0" anchor="t" bIns="91425" lIns="91425" spcFirstLastPara="1" rIns="91425" wrap="square" tIns="91425">
+            <a:normAutofit fontScale="90000"/>
+          </a:bodyPr>
+          <a:lstStyle/>
+          <a:p>
+            <a:pPr indent="0" lvl="0" marL="0" rtl="0" algn="l">
+              <a:spcBef>
+                <a:spcPts val="0"/>
+              </a:spcBef>
+              <a:spcAft>
+                <a:spcPts val="0"/>
+              </a:spcAft>
+              <a:buNone/>
+            </a:pPr>
+            <a:r>
+              <a:rPr lang="en"/>
+              <a:t>Classification </a:t>
+            </a:r>
+            <a:r>
+              <a:rPr lang="en"/>
+              <a:t>- Supervised approach</a:t>
+            </a:r>
+            <a:endParaRPr/>
+          </a:p>
+        </p:txBody>
+      </p:sp>
+      <p:pic>
+        <p:nvPicPr>
+          <p:cNvPr id="209" name="Google Shape;209;p35"/>
+          <p:cNvPicPr preferRelativeResize="0"/>
+          <p:nvPr/>
+        </p:nvPicPr>
+        <p:blipFill>
+          <a:blip r:embed="rId3">
+            <a:alphaModFix/>
+          </a:blip>
+          <a:stretch>
+            <a:fillRect/>
+          </a:stretch>
+        </p:blipFill>
+        <p:spPr>
+          <a:xfrm>
+            <a:off x="414550" y="1398725"/>
+            <a:ext cx="3449950" cy="2472274"/>
+          </a:xfrm>
+          <a:prstGeom prst="rect">
+            <a:avLst/>
+          </a:prstGeom>
+          <a:noFill/>
+          <a:ln>
+            <a:noFill/>
+          </a:ln>
+        </p:spPr>
+      </p:pic>
+      <p:pic>
+        <p:nvPicPr>
+          <p:cNvPr id="210" name="Google Shape;210;p35"/>
+          <p:cNvPicPr preferRelativeResize="0"/>
+          <p:nvPr/>
+        </p:nvPicPr>
+        <p:blipFill>
+          <a:blip r:embed="rId4">
+            <a:alphaModFix/>
+          </a:blip>
+          <a:stretch>
+            <a:fillRect/>
+          </a:stretch>
+        </p:blipFill>
+        <p:spPr>
+          <a:xfrm>
+            <a:off x="4093100" y="1322525"/>
+            <a:ext cx="4480996" cy="2700874"/>
+          </a:xfrm>
+          <a:prstGeom prst="rect">
+            <a:avLst/>
+          </a:prstGeom>
+          <a:noFill/>
+          <a:ln>
+            <a:noFill/>
+          </a:ln>
+        </p:spPr>
+      </p:pic>
+    </p:spTree>
+  </p:cSld>
+  <p:clrMapOvr>
+    <a:masterClrMapping/>
+  </p:clrMapOvr>
+</p:sld>
+</file>
+
+<file path=ppt/slides/slide22.xml><?xml version="1.0" encoding="utf-8"?>
+<p:sld xmlns:a="http://schemas.openxmlformats.org/drawingml/2006/main" xmlns:r="http://schemas.openxmlformats.org/officeDocument/2006/relationships" xmlns:mc="http://schemas.openxmlformats.org/markup-compatibility/2006" xmlns:mv="urn:schemas-microsoft-com:mac:vml" xmlns:p="http://schemas.openxmlformats.org/presentationml/2006/main" xmlns:c="http://schemas.openxmlformats.org/drawingml/2006/chart" xmlns:dgm="http://schemas.openxmlformats.org/drawingml/2006/diagram" xmlns:o="urn:schemas-microsoft-com:office:office" xmlns:v="urn:schemas-microsoft-com:vml" xmlns:pvml="urn:schemas-microsoft-com:office:powerpoint" xmlns:com="http://schemas.openxmlformats.org/drawingml/2006/compatibility" xmlns:p14="http://schemas.microsoft.com/office/powerpoint/2010/main" xmlns:p15="http://schemas.microsoft.com/office/powerpoint/2012/main" xmlns:ahyp="http://schemas.microsoft.com/office/drawing/2018/hyperlinkcolor">
+  <p:cSld>
+    <p:spTree>
+      <p:nvGrpSpPr>
+        <p:cNvPr id="214" name="Shape 214"/>
+        <p:cNvGrpSpPr/>
+        <p:nvPr/>
+      </p:nvGrpSpPr>
+      <p:grpSpPr>
+        <a:xfrm>
+          <a:off x="0" y="0"/>
+          <a:ext cx="0" cy="0"/>
+          <a:chOff x="0" y="0"/>
+          <a:chExt cx="0" cy="0"/>
+        </a:xfrm>
+      </p:grpSpPr>
+      <p:sp>
+        <p:nvSpPr>
+          <p:cNvPr id="215" name="Google Shape;215;p36"/>
+          <p:cNvSpPr txBox="1"/>
+          <p:nvPr>
+            <p:ph type="title"/>
+          </p:nvPr>
+        </p:nvSpPr>
+        <p:spPr>
+          <a:xfrm>
+            <a:off x="311700" y="445025"/>
+            <a:ext cx="8520600" cy="572700"/>
+          </a:xfrm>
+          <a:prstGeom prst="rect">
+            <a:avLst/>
+          </a:prstGeom>
+        </p:spPr>
+        <p:txBody>
+          <a:bodyPr anchorCtr="0" anchor="t" bIns="91425" lIns="91425" spcFirstLastPara="1" rIns="91425" wrap="square" tIns="91425">
+            <a:normAutofit fontScale="90000"/>
+          </a:bodyPr>
+          <a:lstStyle/>
+          <a:p>
+            <a:pPr indent="0" lvl="0" marL="0" rtl="0" algn="l">
+              <a:spcBef>
+                <a:spcPts val="0"/>
+              </a:spcBef>
+              <a:spcAft>
+                <a:spcPts val="0"/>
+              </a:spcAft>
+              <a:buNone/>
+            </a:pPr>
+            <a:r>
+              <a:rPr lang="en"/>
+              <a:t>Classification - Supervised approach</a:t>
+            </a:r>
+            <a:endParaRPr/>
+          </a:p>
+        </p:txBody>
+      </p:sp>
+      <p:pic>
+        <p:nvPicPr>
+          <p:cNvPr id="216" name="Google Shape;216;p36"/>
+          <p:cNvPicPr preferRelativeResize="0"/>
+          <p:nvPr/>
+        </p:nvPicPr>
+        <p:blipFill>
+          <a:blip r:embed="rId3">
+            <a:alphaModFix/>
+          </a:blip>
+          <a:stretch>
+            <a:fillRect/>
+          </a:stretch>
+        </p:blipFill>
+        <p:spPr>
+          <a:xfrm>
+            <a:off x="1219200" y="1246325"/>
+            <a:ext cx="5983950" cy="2874175"/>
+          </a:xfrm>
+          <a:prstGeom prst="rect">
+            <a:avLst/>
+          </a:prstGeom>
+          <a:noFill/>
+          <a:ln>
+            <a:noFill/>
+          </a:ln>
+        </p:spPr>
+      </p:pic>
+    </p:spTree>
+  </p:cSld>
+  <p:clrMapOvr>
+    <a:masterClrMapping/>
+  </p:clrMapOvr>
+</p:sld>
+</file>
+
+<file path=ppt/slides/slide23.xml><?xml version="1.0" encoding="utf-8"?>
+<p:sld xmlns:a="http://schemas.openxmlformats.org/drawingml/2006/main" xmlns:r="http://schemas.openxmlformats.org/officeDocument/2006/relationships" xmlns:mc="http://schemas.openxmlformats.org/markup-compatibility/2006" xmlns:mv="urn:schemas-microsoft-com:mac:vml" xmlns:p="http://schemas.openxmlformats.org/presentationml/2006/main" xmlns:c="http://schemas.openxmlformats.org/drawingml/2006/chart" xmlns:dgm="http://schemas.openxmlformats.org/drawingml/2006/diagram" xmlns:o="urn:schemas-microsoft-com:office:office" xmlns:v="urn:schemas-microsoft-com:vml" xmlns:pvml="urn:schemas-microsoft-com:office:powerpoint" xmlns:com="http://schemas.openxmlformats.org/drawingml/2006/compatibility" xmlns:p14="http://schemas.microsoft.com/office/powerpoint/2010/main" xmlns:p15="http://schemas.microsoft.com/office/powerpoint/2012/main" xmlns:ahyp="http://schemas.microsoft.com/office/drawing/2018/hyperlinkcolor">
+  <p:cSld>
+    <p:spTree>
+      <p:nvGrpSpPr>
+        <p:cNvPr id="220" name="Shape 220"/>
+        <p:cNvGrpSpPr/>
+        <p:nvPr/>
+      </p:nvGrpSpPr>
+      <p:grpSpPr>
+        <a:xfrm>
+          <a:off x="0" y="0"/>
+          <a:ext cx="0" cy="0"/>
+          <a:chOff x="0" y="0"/>
+          <a:chExt cx="0" cy="0"/>
+        </a:xfrm>
+      </p:grpSpPr>
+      <p:sp>
+        <p:nvSpPr>
+          <p:cNvPr id="221" name="Google Shape;221;p37"/>
+          <p:cNvSpPr txBox="1"/>
+          <p:nvPr>
+            <p:ph type="title"/>
+          </p:nvPr>
+        </p:nvSpPr>
+        <p:spPr>
+          <a:xfrm>
+            <a:off x="311700" y="445025"/>
+            <a:ext cx="8520600" cy="572700"/>
+          </a:xfrm>
+          <a:prstGeom prst="rect">
+            <a:avLst/>
+          </a:prstGeom>
+        </p:spPr>
+        <p:txBody>
+          <a:bodyPr anchorCtr="0" anchor="t" bIns="91425" lIns="91425" spcFirstLastPara="1" rIns="91425" wrap="square" tIns="91425">
+            <a:normAutofit fontScale="90000"/>
+          </a:bodyPr>
+          <a:lstStyle/>
+          <a:p>
+            <a:pPr indent="0" lvl="0" marL="0" rtl="0" algn="l">
+              <a:spcBef>
+                <a:spcPts val="0"/>
+              </a:spcBef>
+              <a:spcAft>
+                <a:spcPts val="0"/>
+              </a:spcAft>
+              <a:buNone/>
+            </a:pPr>
+            <a:r>
+              <a:rPr lang="en"/>
+              <a:t>Learning Parameters</a:t>
+            </a:r>
+            <a:r>
+              <a:rPr lang="en"/>
+              <a:t> - Supervised approach</a:t>
+            </a:r>
+            <a:endParaRPr/>
+          </a:p>
+        </p:txBody>
+      </p:sp>
+      <p:pic>
+        <p:nvPicPr>
+          <p:cNvPr id="222" name="Google Shape;222;p37"/>
+          <p:cNvPicPr preferRelativeResize="0"/>
+          <p:nvPr/>
+        </p:nvPicPr>
+        <p:blipFill>
+          <a:blip r:embed="rId3">
+            <a:alphaModFix/>
+          </a:blip>
+          <a:stretch>
+            <a:fillRect/>
+          </a:stretch>
+        </p:blipFill>
+        <p:spPr>
+          <a:xfrm>
+            <a:off x="304800" y="1093925"/>
+            <a:ext cx="3673150" cy="2749550"/>
+          </a:xfrm>
+          <a:prstGeom prst="rect">
+            <a:avLst/>
+          </a:prstGeom>
+          <a:noFill/>
+          <a:ln>
+            <a:noFill/>
+          </a:ln>
+        </p:spPr>
+      </p:pic>
+      <p:pic>
+        <p:nvPicPr>
+          <p:cNvPr id="223" name="Google Shape;223;p37"/>
+          <p:cNvPicPr preferRelativeResize="0"/>
+          <p:nvPr/>
+        </p:nvPicPr>
+        <p:blipFill>
+          <a:blip r:embed="rId4">
+            <a:alphaModFix/>
+          </a:blip>
+          <a:stretch>
+            <a:fillRect/>
+          </a:stretch>
+        </p:blipFill>
+        <p:spPr>
+          <a:xfrm>
+            <a:off x="4435150" y="1017725"/>
+            <a:ext cx="4027450" cy="2901250"/>
+          </a:xfrm>
+          <a:prstGeom prst="rect">
+            <a:avLst/>
+          </a:prstGeom>
+          <a:noFill/>
+          <a:ln>
+            <a:noFill/>
+          </a:ln>
+        </p:spPr>
+      </p:pic>
+      <p:pic>
+        <p:nvPicPr>
+          <p:cNvPr id="224" name="Google Shape;224;p37"/>
+          <p:cNvPicPr preferRelativeResize="0"/>
+          <p:nvPr/>
+        </p:nvPicPr>
+        <p:blipFill>
+          <a:blip r:embed="rId5">
+            <a:alphaModFix/>
+          </a:blip>
+          <a:stretch>
+            <a:fillRect/>
+          </a:stretch>
+        </p:blipFill>
+        <p:spPr>
+          <a:xfrm>
+            <a:off x="2157419" y="3976694"/>
+            <a:ext cx="3983224" cy="766575"/>
+          </a:xfrm>
+          <a:prstGeom prst="rect">
+            <a:avLst/>
+          </a:prstGeom>
+          <a:noFill/>
+          <a:ln>
+            <a:noFill/>
+          </a:ln>
+        </p:spPr>
+      </p:pic>
+    </p:spTree>
+  </p:cSld>
+  <p:clrMapOvr>
+    <a:masterClrMapping/>
+  </p:clrMapOvr>
+</p:sld>
+</file>
+
+<file path=ppt/slides/slide24.xml><?xml version="1.0" encoding="utf-8"?>
+<p:sld xmlns:a="http://schemas.openxmlformats.org/drawingml/2006/main" xmlns:r="http://schemas.openxmlformats.org/officeDocument/2006/relationships" xmlns:mc="http://schemas.openxmlformats.org/markup-compatibility/2006" xmlns:mv="urn:schemas-microsoft-com:mac:vml" xmlns:p="http://schemas.openxmlformats.org/presentationml/2006/main" xmlns:c="http://schemas.openxmlformats.org/drawingml/2006/chart" xmlns:dgm="http://schemas.openxmlformats.org/drawingml/2006/diagram" xmlns:o="urn:schemas-microsoft-com:office:office" xmlns:v="urn:schemas-microsoft-com:vml" xmlns:pvml="urn:schemas-microsoft-com:office:powerpoint" xmlns:com="http://schemas.openxmlformats.org/drawingml/2006/compatibility" xmlns:p14="http://schemas.microsoft.com/office/powerpoint/2010/main" xmlns:p15="http://schemas.microsoft.com/office/powerpoint/2012/main" xmlns:ahyp="http://schemas.microsoft.com/office/drawing/2018/hyperlinkcolor">
+  <p:cSld>
+    <p:spTree>
+      <p:nvGrpSpPr>
+        <p:cNvPr id="228" name="Shape 228"/>
+        <p:cNvGrpSpPr/>
+        <p:nvPr/>
+      </p:nvGrpSpPr>
+      <p:grpSpPr>
+        <a:xfrm>
+          <a:off x="0" y="0"/>
+          <a:ext cx="0" cy="0"/>
+          <a:chOff x="0" y="0"/>
+          <a:chExt cx="0" cy="0"/>
+        </a:xfrm>
+      </p:grpSpPr>
+      <p:sp>
+        <p:nvSpPr>
+          <p:cNvPr id="229" name="Google Shape;229;p38"/>
           <p:cNvSpPr txBox="1"/>
           <p:nvPr>
             <p:ph type="title"/>
@@ -11292,7 +13108,7 @@
       </p:sp>
       <p:pic>
         <p:nvPicPr>
-          <p:cNvPr id="200" name="Google Shape;200;p34"/>
+          <p:cNvPr id="230" name="Google Shape;230;p38"/>
           <p:cNvPicPr preferRelativeResize="0"/>
           <p:nvPr/>
         </p:nvPicPr>
@@ -11306,8 +13122,8 @@
         </p:blipFill>
         <p:spPr>
           <a:xfrm>
-            <a:off x="304800" y="1703525"/>
-            <a:ext cx="3712875" cy="1701550"/>
+            <a:off x="228600" y="1398725"/>
+            <a:ext cx="4167726" cy="2459975"/>
           </a:xfrm>
           <a:prstGeom prst="rect">
             <a:avLst/>
@@ -11320,7 +13136,7 @@
       </p:pic>
       <p:pic>
         <p:nvPicPr>
-          <p:cNvPr id="201" name="Google Shape;201;p34"/>
+          <p:cNvPr id="231" name="Google Shape;231;p38"/>
           <p:cNvPicPr preferRelativeResize="0"/>
           <p:nvPr/>
         </p:nvPicPr>
@@ -11334,8 +13150,8 @@
         </p:blipFill>
         <p:spPr>
           <a:xfrm>
-            <a:off x="4322475" y="1322525"/>
-            <a:ext cx="3903126" cy="2894350"/>
+            <a:off x="4472525" y="1170125"/>
+            <a:ext cx="4100026" cy="3121875"/>
           </a:xfrm>
           <a:prstGeom prst="rect">
             <a:avLst/>
@@ -11354,12 +13170,12 @@
 </p:sld>
 </file>
 
-<file path=ppt/slides/slide21.xml><?xml version="1.0" encoding="utf-8"?>
+<file path=ppt/slides/slide25.xml><?xml version="1.0" encoding="utf-8"?>
 <p:sld xmlns:a="http://schemas.openxmlformats.org/drawingml/2006/main" xmlns:r="http://schemas.openxmlformats.org/officeDocument/2006/relationships" xmlns:mc="http://schemas.openxmlformats.org/markup-compatibility/2006" xmlns:mv="urn:schemas-microsoft-com:mac:vml" xmlns:p="http://schemas.openxmlformats.org/presentationml/2006/main" xmlns:c="http://schemas.openxmlformats.org/drawingml/2006/chart" xmlns:dgm="http://schemas.openxmlformats.org/drawingml/2006/diagram" xmlns:o="urn:schemas-microsoft-com:office:office" xmlns:v="urn:schemas-microsoft-com:vml" xmlns:pvml="urn:schemas-microsoft-com:office:powerpoint" xmlns:com="http://schemas.openxmlformats.org/drawingml/2006/compatibility" xmlns:p14="http://schemas.microsoft.com/office/powerpoint/2010/main" xmlns:p15="http://schemas.microsoft.com/office/powerpoint/2012/main" xmlns:ahyp="http://schemas.microsoft.com/office/drawing/2018/hyperlinkcolor">
   <p:cSld>
     <p:spTree>
       <p:nvGrpSpPr>
-        <p:cNvPr id="205" name="Shape 205"/>
+        <p:cNvPr id="235" name="Shape 235"/>
         <p:cNvGrpSpPr/>
         <p:nvPr/>
       </p:nvGrpSpPr>
@@ -11373,7 +13189,7 @@
       </p:grpSpPr>
       <p:sp>
         <p:nvSpPr>
-          <p:cNvPr id="206" name="Google Shape;206;p35"/>
+          <p:cNvPr id="236" name="Google Shape;236;p39"/>
           <p:cNvSpPr txBox="1"/>
           <p:nvPr>
             <p:ph type="title"/>
@@ -11417,7 +13233,7 @@
       </p:sp>
       <p:pic>
         <p:nvPicPr>
-          <p:cNvPr id="207" name="Google Shape;207;p35"/>
+          <p:cNvPr id="237" name="Google Shape;237;p39"/>
           <p:cNvPicPr preferRelativeResize="0"/>
           <p:nvPr/>
         </p:nvPicPr>
@@ -11431,8 +13247,8 @@
         </p:blipFill>
         <p:spPr>
           <a:xfrm>
-            <a:off x="232100" y="1170125"/>
-            <a:ext cx="3993051" cy="2763349"/>
+            <a:off x="304800" y="1703525"/>
+            <a:ext cx="3712875" cy="1701550"/>
           </a:xfrm>
           <a:prstGeom prst="rect">
             <a:avLst/>
@@ -11445,7 +13261,7 @@
       </p:pic>
       <p:pic>
         <p:nvPicPr>
-          <p:cNvPr id="208" name="Google Shape;208;p35"/>
+          <p:cNvPr id="238" name="Google Shape;238;p39"/>
           <p:cNvPicPr preferRelativeResize="0"/>
           <p:nvPr/>
         </p:nvPicPr>
@@ -11459,8 +13275,8 @@
         </p:blipFill>
         <p:spPr>
           <a:xfrm>
-            <a:off x="4620200" y="1170125"/>
-            <a:ext cx="3876551" cy="2942600"/>
+            <a:off x="4322475" y="1322525"/>
+            <a:ext cx="3903126" cy="2894350"/>
           </a:xfrm>
           <a:prstGeom prst="rect">
             <a:avLst/>
@@ -11479,12 +13295,12 @@
 </p:sld>
 </file>
 
-<file path=ppt/slides/slide22.xml><?xml version="1.0" encoding="utf-8"?>
+<file path=ppt/slides/slide26.xml><?xml version="1.0" encoding="utf-8"?>
 <p:sld xmlns:a="http://schemas.openxmlformats.org/drawingml/2006/main" xmlns:r="http://schemas.openxmlformats.org/officeDocument/2006/relationships" xmlns:mc="http://schemas.openxmlformats.org/markup-compatibility/2006" xmlns:mv="urn:schemas-microsoft-com:mac:vml" xmlns:p="http://schemas.openxmlformats.org/presentationml/2006/main" xmlns:c="http://schemas.openxmlformats.org/drawingml/2006/chart" xmlns:dgm="http://schemas.openxmlformats.org/drawingml/2006/diagram" xmlns:o="urn:schemas-microsoft-com:office:office" xmlns:v="urn:schemas-microsoft-com:vml" xmlns:pvml="urn:schemas-microsoft-com:office:powerpoint" xmlns:com="http://schemas.openxmlformats.org/drawingml/2006/compatibility" xmlns:p14="http://schemas.microsoft.com/office/powerpoint/2010/main" xmlns:p15="http://schemas.microsoft.com/office/powerpoint/2012/main" xmlns:ahyp="http://schemas.microsoft.com/office/drawing/2018/hyperlinkcolor">
   <p:cSld>
     <p:spTree>
       <p:nvGrpSpPr>
-        <p:cNvPr id="212" name="Shape 212"/>
+        <p:cNvPr id="242" name="Shape 242"/>
         <p:cNvGrpSpPr/>
         <p:nvPr/>
       </p:nvGrpSpPr>
@@ -11498,7 +13314,7 @@
       </p:grpSpPr>
       <p:sp>
         <p:nvSpPr>
-          <p:cNvPr id="213" name="Google Shape;213;p36"/>
+          <p:cNvPr id="243" name="Google Shape;243;p40"/>
           <p:cNvSpPr txBox="1"/>
           <p:nvPr>
             <p:ph type="title"/>
@@ -11530,7 +13346,11 @@
             </a:pPr>
             <a:r>
               <a:rPr lang="en"/>
-              <a:t>Evaluation - Supervised approach</a:t>
+              <a:t>Evaluation</a:t>
+            </a:r>
+            <a:r>
+              <a:rPr lang="en"/>
+              <a:t> - Supervised approach</a:t>
             </a:r>
             <a:endParaRPr/>
           </a:p>
@@ -11538,7 +13358,7 @@
       </p:sp>
       <p:pic>
         <p:nvPicPr>
-          <p:cNvPr id="214" name="Google Shape;214;p36"/>
+          <p:cNvPr id="244" name="Google Shape;244;p40"/>
           <p:cNvPicPr preferRelativeResize="0"/>
           <p:nvPr/>
         </p:nvPicPr>
@@ -11552,8 +13372,8 @@
         </p:blipFill>
         <p:spPr>
           <a:xfrm>
-            <a:off x="381000" y="1703525"/>
-            <a:ext cx="3219725" cy="2301400"/>
+            <a:off x="232100" y="1170125"/>
+            <a:ext cx="3993051" cy="2763349"/>
           </a:xfrm>
           <a:prstGeom prst="rect">
             <a:avLst/>
@@ -11566,7 +13386,7 @@
       </p:pic>
       <p:pic>
         <p:nvPicPr>
-          <p:cNvPr id="215" name="Google Shape;215;p36"/>
+          <p:cNvPr id="245" name="Google Shape;245;p40"/>
           <p:cNvPicPr preferRelativeResize="0"/>
           <p:nvPr/>
         </p:nvPicPr>
@@ -11580,8 +13400,8 @@
         </p:blipFill>
         <p:spPr>
           <a:xfrm>
-            <a:off x="4438925" y="1551125"/>
-            <a:ext cx="3792201" cy="2582300"/>
+            <a:off x="4620200" y="1170125"/>
+            <a:ext cx="3876551" cy="2942600"/>
           </a:xfrm>
           <a:prstGeom prst="rect">
             <a:avLst/>
@@ -11600,12 +13420,12 @@
 </p:sld>
 </file>
 
-<file path=ppt/slides/slide23.xml><?xml version="1.0" encoding="utf-8"?>
+<file path=ppt/slides/slide27.xml><?xml version="1.0" encoding="utf-8"?>
 <p:sld xmlns:a="http://schemas.openxmlformats.org/drawingml/2006/main" xmlns:r="http://schemas.openxmlformats.org/officeDocument/2006/relationships" xmlns:mc="http://schemas.openxmlformats.org/markup-compatibility/2006" xmlns:mv="urn:schemas-microsoft-com:mac:vml" xmlns:p="http://schemas.openxmlformats.org/presentationml/2006/main" xmlns:c="http://schemas.openxmlformats.org/drawingml/2006/chart" xmlns:dgm="http://schemas.openxmlformats.org/drawingml/2006/diagram" xmlns:o="urn:schemas-microsoft-com:office:office" xmlns:v="urn:schemas-microsoft-com:vml" xmlns:pvml="urn:schemas-microsoft-com:office:powerpoint" xmlns:com="http://schemas.openxmlformats.org/drawingml/2006/compatibility" xmlns:p14="http://schemas.microsoft.com/office/powerpoint/2010/main" xmlns:p15="http://schemas.microsoft.com/office/powerpoint/2012/main" xmlns:ahyp="http://schemas.microsoft.com/office/drawing/2018/hyperlinkcolor">
   <p:cSld>
     <p:spTree>
       <p:nvGrpSpPr>
-        <p:cNvPr id="219" name="Shape 219"/>
+        <p:cNvPr id="249" name="Shape 249"/>
         <p:cNvGrpSpPr/>
         <p:nvPr/>
       </p:nvGrpSpPr>
@@ -11619,7 +13439,128 @@
       </p:grpSpPr>
       <p:sp>
         <p:nvSpPr>
-          <p:cNvPr id="220" name="Google Shape;220;p37"/>
+          <p:cNvPr id="250" name="Google Shape;250;p41"/>
+          <p:cNvSpPr txBox="1"/>
+          <p:nvPr>
+            <p:ph type="title"/>
+          </p:nvPr>
+        </p:nvSpPr>
+        <p:spPr>
+          <a:xfrm>
+            <a:off x="311700" y="445025"/>
+            <a:ext cx="8520600" cy="572700"/>
+          </a:xfrm>
+          <a:prstGeom prst="rect">
+            <a:avLst/>
+          </a:prstGeom>
+        </p:spPr>
+        <p:txBody>
+          <a:bodyPr anchorCtr="0" anchor="t" bIns="91425" lIns="91425" spcFirstLastPara="1" rIns="91425" wrap="square" tIns="91425">
+            <a:normAutofit fontScale="90000"/>
+          </a:bodyPr>
+          <a:lstStyle/>
+          <a:p>
+            <a:pPr indent="0" lvl="0" marL="0" rtl="0" algn="l">
+              <a:spcBef>
+                <a:spcPts val="0"/>
+              </a:spcBef>
+              <a:spcAft>
+                <a:spcPts val="0"/>
+              </a:spcAft>
+              <a:buNone/>
+            </a:pPr>
+            <a:r>
+              <a:rPr lang="en"/>
+              <a:t>Evaluation - Supervised approach</a:t>
+            </a:r>
+            <a:endParaRPr/>
+          </a:p>
+        </p:txBody>
+      </p:sp>
+      <p:pic>
+        <p:nvPicPr>
+          <p:cNvPr id="251" name="Google Shape;251;p41"/>
+          <p:cNvPicPr preferRelativeResize="0"/>
+          <p:nvPr/>
+        </p:nvPicPr>
+        <p:blipFill>
+          <a:blip r:embed="rId3">
+            <a:alphaModFix/>
+          </a:blip>
+          <a:stretch>
+            <a:fillRect/>
+          </a:stretch>
+        </p:blipFill>
+        <p:spPr>
+          <a:xfrm>
+            <a:off x="381000" y="1703525"/>
+            <a:ext cx="3219725" cy="2301400"/>
+          </a:xfrm>
+          <a:prstGeom prst="rect">
+            <a:avLst/>
+          </a:prstGeom>
+          <a:noFill/>
+          <a:ln>
+            <a:noFill/>
+          </a:ln>
+        </p:spPr>
+      </p:pic>
+      <p:pic>
+        <p:nvPicPr>
+          <p:cNvPr id="252" name="Google Shape;252;p41"/>
+          <p:cNvPicPr preferRelativeResize="0"/>
+          <p:nvPr/>
+        </p:nvPicPr>
+        <p:blipFill>
+          <a:blip r:embed="rId4">
+            <a:alphaModFix/>
+          </a:blip>
+          <a:stretch>
+            <a:fillRect/>
+          </a:stretch>
+        </p:blipFill>
+        <p:spPr>
+          <a:xfrm>
+            <a:off x="4438925" y="1551125"/>
+            <a:ext cx="3792201" cy="2582300"/>
+          </a:xfrm>
+          <a:prstGeom prst="rect">
+            <a:avLst/>
+          </a:prstGeom>
+          <a:noFill/>
+          <a:ln>
+            <a:noFill/>
+          </a:ln>
+        </p:spPr>
+      </p:pic>
+    </p:spTree>
+  </p:cSld>
+  <p:clrMapOvr>
+    <a:masterClrMapping/>
+  </p:clrMapOvr>
+</p:sld>
+</file>
+
+<file path=ppt/slides/slide28.xml><?xml version="1.0" encoding="utf-8"?>
+<p:sld xmlns:a="http://schemas.openxmlformats.org/drawingml/2006/main" xmlns:r="http://schemas.openxmlformats.org/officeDocument/2006/relationships" xmlns:mc="http://schemas.openxmlformats.org/markup-compatibility/2006" xmlns:mv="urn:schemas-microsoft-com:mac:vml" xmlns:p="http://schemas.openxmlformats.org/presentationml/2006/main" xmlns:c="http://schemas.openxmlformats.org/drawingml/2006/chart" xmlns:dgm="http://schemas.openxmlformats.org/drawingml/2006/diagram" xmlns:o="urn:schemas-microsoft-com:office:office" xmlns:v="urn:schemas-microsoft-com:vml" xmlns:pvml="urn:schemas-microsoft-com:office:powerpoint" xmlns:com="http://schemas.openxmlformats.org/drawingml/2006/compatibility" xmlns:p14="http://schemas.microsoft.com/office/powerpoint/2010/main" xmlns:p15="http://schemas.microsoft.com/office/powerpoint/2012/main" xmlns:ahyp="http://schemas.microsoft.com/office/drawing/2018/hyperlinkcolor">
+  <p:cSld>
+    <p:spTree>
+      <p:nvGrpSpPr>
+        <p:cNvPr id="256" name="Shape 256"/>
+        <p:cNvGrpSpPr/>
+        <p:nvPr/>
+      </p:nvGrpSpPr>
+      <p:grpSpPr>
+        <a:xfrm>
+          <a:off x="0" y="0"/>
+          <a:ext cx="0" cy="0"/>
+          <a:chOff x="0" y="0"/>
+          <a:chExt cx="0" cy="0"/>
+        </a:xfrm>
+      </p:grpSpPr>
+      <p:sp>
+        <p:nvSpPr>
+          <p:cNvPr id="257" name="Google Shape;257;p42"/>
           <p:cNvSpPr txBox="1"/>
           <p:nvPr>
             <p:ph type="title"/>
@@ -11659,7 +13600,7 @@
       </p:sp>
       <p:sp>
         <p:nvSpPr>
-          <p:cNvPr id="221" name="Google Shape;221;p37"/>
+          <p:cNvPr id="258" name="Google Shape;258;p42"/>
           <p:cNvSpPr txBox="1"/>
           <p:nvPr/>
         </p:nvSpPr>
@@ -11710,7 +13651,7 @@
       </p:sp>
       <p:pic>
         <p:nvPicPr>
-          <p:cNvPr id="222" name="Google Shape;222;p37"/>
+          <p:cNvPr id="259" name="Google Shape;259;p42"/>
           <p:cNvPicPr preferRelativeResize="0"/>
           <p:nvPr/>
         </p:nvPicPr>
@@ -11738,7 +13679,7 @@
       </p:pic>
       <p:sp>
         <p:nvSpPr>
-          <p:cNvPr id="223" name="Google Shape;223;p37"/>
+          <p:cNvPr id="260" name="Google Shape;260;p42"/>
           <p:cNvSpPr txBox="1"/>
           <p:nvPr/>
         </p:nvSpPr>
@@ -11786,12 +13727,12 @@
 </p:sld>
 </file>
 
-<file path=ppt/slides/slide24.xml><?xml version="1.0" encoding="utf-8"?>
+<file path=ppt/slides/slide29.xml><?xml version="1.0" encoding="utf-8"?>
 <p:sld xmlns:a="http://schemas.openxmlformats.org/drawingml/2006/main" xmlns:r="http://schemas.openxmlformats.org/officeDocument/2006/relationships" xmlns:mc="http://schemas.openxmlformats.org/markup-compatibility/2006" xmlns:mv="urn:schemas-microsoft-com:mac:vml" xmlns:p="http://schemas.openxmlformats.org/presentationml/2006/main" xmlns:c="http://schemas.openxmlformats.org/drawingml/2006/chart" xmlns:dgm="http://schemas.openxmlformats.org/drawingml/2006/diagram" xmlns:o="urn:schemas-microsoft-com:office:office" xmlns:v="urn:schemas-microsoft-com:vml" xmlns:pvml="urn:schemas-microsoft-com:office:powerpoint" xmlns:com="http://schemas.openxmlformats.org/drawingml/2006/compatibility" xmlns:p14="http://schemas.microsoft.com/office/powerpoint/2010/main" xmlns:p15="http://schemas.microsoft.com/office/powerpoint/2012/main" xmlns:ahyp="http://schemas.microsoft.com/office/drawing/2018/hyperlinkcolor">
   <p:cSld>
     <p:spTree>
       <p:nvGrpSpPr>
-        <p:cNvPr id="227" name="Shape 227"/>
+        <p:cNvPr id="264" name="Shape 264"/>
         <p:cNvGrpSpPr/>
         <p:nvPr/>
       </p:nvGrpSpPr>
@@ -11805,7 +13746,7 @@
       </p:grpSpPr>
       <p:sp>
         <p:nvSpPr>
-          <p:cNvPr id="228" name="Google Shape;228;p38"/>
+          <p:cNvPr id="265" name="Google Shape;265;p43"/>
           <p:cNvSpPr txBox="1"/>
           <p:nvPr>
             <p:ph type="title"/>
@@ -11845,7 +13786,7 @@
       </p:sp>
       <p:pic>
         <p:nvPicPr>
-          <p:cNvPr id="229" name="Google Shape;229;p38"/>
+          <p:cNvPr id="266" name="Google Shape;266;p43"/>
           <p:cNvPicPr preferRelativeResize="0"/>
           <p:nvPr/>
         </p:nvPicPr>
@@ -11873,7 +13814,7 @@
       </p:pic>
       <p:pic>
         <p:nvPicPr>
-          <p:cNvPr id="230" name="Google Shape;230;p38"/>
+          <p:cNvPr id="267" name="Google Shape;267;p43"/>
           <p:cNvPicPr preferRelativeResize="0"/>
           <p:nvPr/>
         </p:nvPicPr>
@@ -12010,6 +13951,445 @@
           <a:xfrm>
             <a:off x="4606500" y="1474925"/>
             <a:ext cx="3664426" cy="2044850"/>
+          </a:xfrm>
+          <a:prstGeom prst="rect">
+            <a:avLst/>
+          </a:prstGeom>
+          <a:noFill/>
+          <a:ln>
+            <a:noFill/>
+          </a:ln>
+        </p:spPr>
+      </p:pic>
+    </p:spTree>
+  </p:cSld>
+  <p:clrMapOvr>
+    <a:masterClrMapping/>
+  </p:clrMapOvr>
+</p:sld>
+</file>
+
+<file path=ppt/slides/slide30.xml><?xml version="1.0" encoding="utf-8"?>
+<p:sld xmlns:a="http://schemas.openxmlformats.org/drawingml/2006/main" xmlns:r="http://schemas.openxmlformats.org/officeDocument/2006/relationships" xmlns:mc="http://schemas.openxmlformats.org/markup-compatibility/2006" xmlns:mv="urn:schemas-microsoft-com:mac:vml" xmlns:p="http://schemas.openxmlformats.org/presentationml/2006/main" xmlns:c="http://schemas.openxmlformats.org/drawingml/2006/chart" xmlns:dgm="http://schemas.openxmlformats.org/drawingml/2006/diagram" xmlns:o="urn:schemas-microsoft-com:office:office" xmlns:v="urn:schemas-microsoft-com:vml" xmlns:pvml="urn:schemas-microsoft-com:office:powerpoint" xmlns:com="http://schemas.openxmlformats.org/drawingml/2006/compatibility" xmlns:p14="http://schemas.microsoft.com/office/powerpoint/2010/main" xmlns:p15="http://schemas.microsoft.com/office/powerpoint/2012/main" xmlns:ahyp="http://schemas.microsoft.com/office/drawing/2018/hyperlinkcolor">
+  <p:cSld>
+    <p:spTree>
+      <p:nvGrpSpPr>
+        <p:cNvPr id="271" name="Shape 271"/>
+        <p:cNvGrpSpPr/>
+        <p:nvPr/>
+      </p:nvGrpSpPr>
+      <p:grpSpPr>
+        <a:xfrm>
+          <a:off x="0" y="0"/>
+          <a:ext cx="0" cy="0"/>
+          <a:chOff x="0" y="0"/>
+          <a:chExt cx="0" cy="0"/>
+        </a:xfrm>
+      </p:grpSpPr>
+      <p:sp>
+        <p:nvSpPr>
+          <p:cNvPr id="272" name="Google Shape;272;p44"/>
+          <p:cNvSpPr txBox="1"/>
+          <p:nvPr>
+            <p:ph type="title"/>
+          </p:nvPr>
+        </p:nvSpPr>
+        <p:spPr>
+          <a:xfrm>
+            <a:off x="311700" y="292625"/>
+            <a:ext cx="8520600" cy="572700"/>
+          </a:xfrm>
+          <a:prstGeom prst="rect">
+            <a:avLst/>
+          </a:prstGeom>
+        </p:spPr>
+        <p:txBody>
+          <a:bodyPr anchorCtr="0" anchor="t" bIns="91425" lIns="91425" spcFirstLastPara="1" rIns="91425" wrap="square" tIns="91425">
+            <a:normAutofit fontScale="90000"/>
+          </a:bodyPr>
+          <a:lstStyle/>
+          <a:p>
+            <a:pPr indent="0" lvl="0" marL="0" rtl="0" algn="l">
+              <a:spcBef>
+                <a:spcPts val="0"/>
+              </a:spcBef>
+              <a:spcAft>
+                <a:spcPts val="0"/>
+              </a:spcAft>
+              <a:buNone/>
+            </a:pPr>
+            <a:r>
+              <a:rPr lang="en"/>
+              <a:t>Labs: </a:t>
+            </a:r>
+            <a:r>
+              <a:rPr lang="en"/>
+              <a:t>Stance Detection with respect to a topic</a:t>
+            </a:r>
+            <a:endParaRPr/>
+          </a:p>
+        </p:txBody>
+      </p:sp>
+      <p:pic>
+        <p:nvPicPr>
+          <p:cNvPr id="273" name="Google Shape;273;p44"/>
+          <p:cNvPicPr preferRelativeResize="0"/>
+          <p:nvPr/>
+        </p:nvPicPr>
+        <p:blipFill>
+          <a:blip r:embed="rId3">
+            <a:alphaModFix/>
+          </a:blip>
+          <a:stretch>
+            <a:fillRect/>
+          </a:stretch>
+        </p:blipFill>
+        <p:spPr>
+          <a:xfrm>
+            <a:off x="772875" y="1288000"/>
+            <a:ext cx="6556274" cy="1479900"/>
+          </a:xfrm>
+          <a:prstGeom prst="rect">
+            <a:avLst/>
+          </a:prstGeom>
+          <a:noFill/>
+          <a:ln>
+            <a:noFill/>
+          </a:ln>
+        </p:spPr>
+      </p:pic>
+      <p:pic>
+        <p:nvPicPr>
+          <p:cNvPr id="274" name="Google Shape;274;p44"/>
+          <p:cNvPicPr preferRelativeResize="0"/>
+          <p:nvPr/>
+        </p:nvPicPr>
+        <p:blipFill>
+          <a:blip r:embed="rId4">
+            <a:alphaModFix/>
+          </a:blip>
+          <a:stretch>
+            <a:fillRect/>
+          </a:stretch>
+        </p:blipFill>
+        <p:spPr>
+          <a:xfrm>
+            <a:off x="1371600" y="3851150"/>
+            <a:ext cx="5686425" cy="838200"/>
+          </a:xfrm>
+          <a:prstGeom prst="rect">
+            <a:avLst/>
+          </a:prstGeom>
+          <a:noFill/>
+          <a:ln>
+            <a:noFill/>
+          </a:ln>
+        </p:spPr>
+      </p:pic>
+    </p:spTree>
+  </p:cSld>
+  <p:clrMapOvr>
+    <a:masterClrMapping/>
+  </p:clrMapOvr>
+</p:sld>
+</file>
+
+<file path=ppt/slides/slide31.xml><?xml version="1.0" encoding="utf-8"?>
+<p:sld xmlns:a="http://schemas.openxmlformats.org/drawingml/2006/main" xmlns:r="http://schemas.openxmlformats.org/officeDocument/2006/relationships" xmlns:mc="http://schemas.openxmlformats.org/markup-compatibility/2006" xmlns:mv="urn:schemas-microsoft-com:mac:vml" xmlns:p="http://schemas.openxmlformats.org/presentationml/2006/main" xmlns:c="http://schemas.openxmlformats.org/drawingml/2006/chart" xmlns:dgm="http://schemas.openxmlformats.org/drawingml/2006/diagram" xmlns:o="urn:schemas-microsoft-com:office:office" xmlns:v="urn:schemas-microsoft-com:vml" xmlns:pvml="urn:schemas-microsoft-com:office:powerpoint" xmlns:com="http://schemas.openxmlformats.org/drawingml/2006/compatibility" xmlns:p14="http://schemas.microsoft.com/office/powerpoint/2010/main" xmlns:p15="http://schemas.microsoft.com/office/powerpoint/2012/main" xmlns:ahyp="http://schemas.microsoft.com/office/drawing/2018/hyperlinkcolor">
+  <p:cSld>
+    <p:spTree>
+      <p:nvGrpSpPr>
+        <p:cNvPr id="278" name="Shape 278"/>
+        <p:cNvGrpSpPr/>
+        <p:nvPr/>
+      </p:nvGrpSpPr>
+      <p:grpSpPr>
+        <a:xfrm>
+          <a:off x="0" y="0"/>
+          <a:ext cx="0" cy="0"/>
+          <a:chOff x="0" y="0"/>
+          <a:chExt cx="0" cy="0"/>
+        </a:xfrm>
+      </p:grpSpPr>
+      <p:sp>
+        <p:nvSpPr>
+          <p:cNvPr id="279" name="Google Shape;279;p45"/>
+          <p:cNvSpPr txBox="1"/>
+          <p:nvPr>
+            <p:ph type="title"/>
+          </p:nvPr>
+        </p:nvSpPr>
+        <p:spPr>
+          <a:xfrm>
+            <a:off x="311700" y="445025"/>
+            <a:ext cx="8520600" cy="572700"/>
+          </a:xfrm>
+          <a:prstGeom prst="rect">
+            <a:avLst/>
+          </a:prstGeom>
+        </p:spPr>
+        <p:txBody>
+          <a:bodyPr anchorCtr="0" anchor="t" bIns="91425" lIns="91425" spcFirstLastPara="1" rIns="91425" wrap="square" tIns="91425">
+            <a:normAutofit fontScale="90000"/>
+          </a:bodyPr>
+          <a:lstStyle/>
+          <a:p>
+            <a:pPr indent="0" lvl="0" marL="0" rtl="0" algn="l">
+              <a:spcBef>
+                <a:spcPts val="0"/>
+              </a:spcBef>
+              <a:spcAft>
+                <a:spcPts val="0"/>
+              </a:spcAft>
+              <a:buNone/>
+            </a:pPr>
+            <a:r>
+              <a:rPr lang="en"/>
+              <a:t>Stance Detection in Twitter: SemEval 2016</a:t>
+            </a:r>
+            <a:endParaRPr/>
+          </a:p>
+        </p:txBody>
+      </p:sp>
+      <p:pic>
+        <p:nvPicPr>
+          <p:cNvPr id="280" name="Google Shape;280;p45"/>
+          <p:cNvPicPr preferRelativeResize="0"/>
+          <p:nvPr/>
+        </p:nvPicPr>
+        <p:blipFill>
+          <a:blip r:embed="rId3">
+            <a:alphaModFix/>
+          </a:blip>
+          <a:stretch>
+            <a:fillRect/>
+          </a:stretch>
+        </p:blipFill>
+        <p:spPr>
+          <a:xfrm>
+            <a:off x="1371600" y="3927350"/>
+            <a:ext cx="5686425" cy="838200"/>
+          </a:xfrm>
+          <a:prstGeom prst="rect">
+            <a:avLst/>
+          </a:prstGeom>
+          <a:noFill/>
+          <a:ln>
+            <a:noFill/>
+          </a:ln>
+        </p:spPr>
+      </p:pic>
+      <p:sp>
+        <p:nvSpPr>
+          <p:cNvPr id="281" name="Google Shape;281;p45"/>
+          <p:cNvSpPr txBox="1"/>
+          <p:nvPr>
+            <p:ph idx="1" type="body"/>
+          </p:nvPr>
+        </p:nvSpPr>
+        <p:spPr>
+          <a:xfrm>
+            <a:off x="311700" y="1152475"/>
+            <a:ext cx="8520600" cy="3416400"/>
+          </a:xfrm>
+          <a:prstGeom prst="rect">
+            <a:avLst/>
+          </a:prstGeom>
+        </p:spPr>
+        <p:txBody>
+          <a:bodyPr anchorCtr="0" anchor="t" bIns="91425" lIns="91425" spcFirstLastPara="1" rIns="91425" wrap="square" tIns="91425">
+            <a:normAutofit/>
+          </a:bodyPr>
+          <a:lstStyle/>
+          <a:p>
+            <a:pPr indent="-342900" lvl="0" marL="457200" rtl="0" algn="l">
+              <a:spcBef>
+                <a:spcPts val="0"/>
+              </a:spcBef>
+              <a:spcAft>
+                <a:spcPts val="0"/>
+              </a:spcAft>
+              <a:buSzPts val="1800"/>
+              <a:buChar char="●"/>
+            </a:pPr>
+            <a:r>
+              <a:rPr b="1" lang="en"/>
+              <a:t>Task A (supervised framework)</a:t>
+            </a:r>
+            <a:r>
+              <a:rPr lang="en"/>
+              <a:t> This task tested stance towards five targets: Atheism, Climate Change is a Real Concern,Feminist Movement, Hillary Clinton, and Legalization of Abortion. </a:t>
+            </a:r>
+            <a:endParaRPr/>
+          </a:p>
+          <a:p>
+            <a:pPr indent="-317500" lvl="1" marL="914400" rtl="0" algn="l">
+              <a:spcBef>
+                <a:spcPts val="0"/>
+              </a:spcBef>
+              <a:spcAft>
+                <a:spcPts val="0"/>
+              </a:spcAft>
+              <a:buSzPts val="1400"/>
+              <a:buChar char="○"/>
+            </a:pPr>
+            <a:r>
+              <a:rPr lang="en"/>
+              <a:t>2,914 labeled training data instances for the five targets. The test data included 1,249 instances.</a:t>
+            </a:r>
+            <a:endParaRPr/>
+          </a:p>
+          <a:p>
+            <a:pPr indent="-342900" lvl="0" marL="457200" rtl="0" algn="l">
+              <a:spcBef>
+                <a:spcPts val="0"/>
+              </a:spcBef>
+              <a:spcAft>
+                <a:spcPts val="0"/>
+              </a:spcAft>
+              <a:buSzPts val="1800"/>
+              <a:buChar char="●"/>
+            </a:pPr>
+            <a:r>
+              <a:rPr b="1" lang="en"/>
+              <a:t>Task B (weakly supervised framework)</a:t>
+            </a:r>
+            <a:r>
+              <a:rPr lang="en"/>
+              <a:t> This task will test stance towards one target Donald Trump (707 tweets for testing).</a:t>
+            </a:r>
+            <a:endParaRPr/>
+          </a:p>
+          <a:p>
+            <a:pPr indent="-317500" lvl="1" marL="914400" rtl="0" algn="l">
+              <a:spcBef>
+                <a:spcPts val="0"/>
+              </a:spcBef>
+              <a:spcAft>
+                <a:spcPts val="0"/>
+              </a:spcAft>
+              <a:buSzPts val="1400"/>
+              <a:buChar char="○"/>
+            </a:pPr>
+            <a:r>
+              <a:rPr lang="en"/>
+              <a:t>The organizers did not provide any training data for this specific target, just a large set of unlabeled tweets associated with the target Donald Trump.</a:t>
+            </a:r>
+            <a:endParaRPr/>
+          </a:p>
+        </p:txBody>
+      </p:sp>
+    </p:spTree>
+  </p:cSld>
+  <p:clrMapOvr>
+    <a:masterClrMapping/>
+  </p:clrMapOvr>
+</p:sld>
+</file>
+
+<file path=ppt/slides/slide32.xml><?xml version="1.0" encoding="utf-8"?>
+<p:sld xmlns:a="http://schemas.openxmlformats.org/drawingml/2006/main" xmlns:r="http://schemas.openxmlformats.org/officeDocument/2006/relationships" xmlns:mc="http://schemas.openxmlformats.org/markup-compatibility/2006" xmlns:mv="urn:schemas-microsoft-com:mac:vml" xmlns:p="http://schemas.openxmlformats.org/presentationml/2006/main" xmlns:c="http://schemas.openxmlformats.org/drawingml/2006/chart" xmlns:dgm="http://schemas.openxmlformats.org/drawingml/2006/diagram" xmlns:o="urn:schemas-microsoft-com:office:office" xmlns:v="urn:schemas-microsoft-com:vml" xmlns:pvml="urn:schemas-microsoft-com:office:powerpoint" xmlns:com="http://schemas.openxmlformats.org/drawingml/2006/compatibility" xmlns:p14="http://schemas.microsoft.com/office/powerpoint/2010/main" xmlns:p15="http://schemas.microsoft.com/office/powerpoint/2012/main" xmlns:ahyp="http://schemas.microsoft.com/office/drawing/2018/hyperlinkcolor">
+  <p:cSld>
+    <p:spTree>
+      <p:nvGrpSpPr>
+        <p:cNvPr id="285" name="Shape 285"/>
+        <p:cNvGrpSpPr/>
+        <p:nvPr/>
+      </p:nvGrpSpPr>
+      <p:grpSpPr>
+        <a:xfrm>
+          <a:off x="0" y="0"/>
+          <a:ext cx="0" cy="0"/>
+          <a:chOff x="0" y="0"/>
+          <a:chExt cx="0" cy="0"/>
+        </a:xfrm>
+      </p:grpSpPr>
+      <p:sp>
+        <p:nvSpPr>
+          <p:cNvPr id="286" name="Google Shape;286;p46"/>
+          <p:cNvSpPr txBox="1"/>
+          <p:nvPr>
+            <p:ph type="title"/>
+          </p:nvPr>
+        </p:nvSpPr>
+        <p:spPr>
+          <a:xfrm>
+            <a:off x="311700" y="445025"/>
+            <a:ext cx="8520600" cy="572700"/>
+          </a:xfrm>
+          <a:prstGeom prst="rect">
+            <a:avLst/>
+          </a:prstGeom>
+        </p:spPr>
+        <p:txBody>
+          <a:bodyPr anchorCtr="0" anchor="t" bIns="91425" lIns="91425" spcFirstLastPara="1" rIns="91425" wrap="square" tIns="91425">
+            <a:normAutofit fontScale="90000"/>
+          </a:bodyPr>
+          <a:lstStyle/>
+          <a:p>
+            <a:pPr indent="0" lvl="0" marL="0" rtl="0" algn="l">
+              <a:spcBef>
+                <a:spcPts val="0"/>
+              </a:spcBef>
+              <a:spcAft>
+                <a:spcPts val="0"/>
+              </a:spcAft>
+              <a:buNone/>
+            </a:pPr>
+            <a:r>
+              <a:rPr lang="en"/>
+              <a:t>Stance Detection in Twitter: SemEval 2016</a:t>
+            </a:r>
+            <a:endParaRPr/>
+          </a:p>
+        </p:txBody>
+      </p:sp>
+      <p:pic>
+        <p:nvPicPr>
+          <p:cNvPr id="287" name="Google Shape;287;p46"/>
+          <p:cNvPicPr preferRelativeResize="0"/>
+          <p:nvPr/>
+        </p:nvPicPr>
+        <p:blipFill>
+          <a:blip r:embed="rId3">
+            <a:alphaModFix/>
+          </a:blip>
+          <a:stretch>
+            <a:fillRect/>
+          </a:stretch>
+        </p:blipFill>
+        <p:spPr>
+          <a:xfrm>
+            <a:off x="1371600" y="3927350"/>
+            <a:ext cx="5686425" cy="838200"/>
+          </a:xfrm>
+          <a:prstGeom prst="rect">
+            <a:avLst/>
+          </a:prstGeom>
+          <a:noFill/>
+          <a:ln>
+            <a:noFill/>
+          </a:ln>
+        </p:spPr>
+      </p:pic>
+      <p:pic>
+        <p:nvPicPr>
+          <p:cNvPr id="288" name="Google Shape;288;p46"/>
+          <p:cNvPicPr preferRelativeResize="0"/>
+          <p:nvPr/>
+        </p:nvPicPr>
+        <p:blipFill>
+          <a:blip r:embed="rId4">
+            <a:alphaModFix/>
+          </a:blip>
+          <a:stretch>
+            <a:fillRect/>
+          </a:stretch>
+        </p:blipFill>
+        <p:spPr>
+          <a:xfrm>
+            <a:off x="810775" y="1238700"/>
+            <a:ext cx="6990073" cy="2382724"/>
           </a:xfrm>
           <a:prstGeom prst="rect">
             <a:avLst/>
